--- a/Boston-Dec/70-475 - 0 - Microsoft Certification 70-475 Intro.pptx
+++ b/Boston-Dec/70-475 - 0 - Microsoft Certification 70-475 Intro.pptx
@@ -7,7 +7,7 @@
     <p:sldMasterId id="2147483692" r:id="rId3"/>
   </p:sldMasterIdLst>
   <p:notesMasterIdLst>
-    <p:notesMasterId r:id="rId24"/>
+    <p:notesMasterId r:id="rId25"/>
   </p:notesMasterIdLst>
   <p:sldIdLst>
     <p:sldId id="269" r:id="rId4"/>
@@ -17,19 +17,20 @@
     <p:sldId id="274" r:id="rId8"/>
     <p:sldId id="275" r:id="rId9"/>
     <p:sldId id="276" r:id="rId10"/>
-    <p:sldId id="277" r:id="rId11"/>
-    <p:sldId id="278" r:id="rId12"/>
-    <p:sldId id="259" r:id="rId13"/>
-    <p:sldId id="260" r:id="rId14"/>
-    <p:sldId id="264" r:id="rId15"/>
-    <p:sldId id="267" r:id="rId16"/>
-    <p:sldId id="265" r:id="rId17"/>
-    <p:sldId id="266" r:id="rId18"/>
-    <p:sldId id="268" r:id="rId19"/>
-    <p:sldId id="258" r:id="rId20"/>
-    <p:sldId id="261" r:id="rId21"/>
-    <p:sldId id="263" r:id="rId22"/>
-    <p:sldId id="262" r:id="rId23"/>
+    <p:sldId id="279" r:id="rId11"/>
+    <p:sldId id="277" r:id="rId12"/>
+    <p:sldId id="278" r:id="rId13"/>
+    <p:sldId id="259" r:id="rId14"/>
+    <p:sldId id="260" r:id="rId15"/>
+    <p:sldId id="264" r:id="rId16"/>
+    <p:sldId id="267" r:id="rId17"/>
+    <p:sldId id="265" r:id="rId18"/>
+    <p:sldId id="266" r:id="rId19"/>
+    <p:sldId id="268" r:id="rId20"/>
+    <p:sldId id="258" r:id="rId21"/>
+    <p:sldId id="261" r:id="rId22"/>
+    <p:sldId id="263" r:id="rId23"/>
+    <p:sldId id="262" r:id="rId24"/>
   </p:sldIdLst>
   <p:sldSz cx="12192000" cy="6858000"/>
   <p:notesSz cx="6858000" cy="9144000"/>
@@ -517,7 +518,7 @@
           <a:p>
             <a:fld id="{F6748D04-903E-4790-AD72-37240759B882}" type="datetimeFigureOut">
               <a:rPr lang="en-US" smtClean="0"/>
-              <a:t>12/6/2017</a:t>
+              <a:t>12/7/2017</a:t>
             </a:fld>
             <a:endParaRPr lang="en-US"/>
           </a:p>
@@ -1195,365 +1196,7 @@
                 <a:tabLst/>
                 <a:defRPr/>
               </a:pPr>
-              <a:t>12/6/2017 2:11 PM</a:t>
-            </a:fld>
-            <a:endParaRPr kumimoji="0" lang="en-US" sz="1200" b="0" i="0" u="none" strike="noStrike" kern="1200" cap="none" spc="0" normalizeH="0" baseline="0" noProof="0" dirty="0">
-              <a:ln>
-                <a:noFill/>
-              </a:ln>
-              <a:solidFill>
-                <a:prstClr val="black"/>
-              </a:solidFill>
-              <a:effectLst/>
-              <a:uLnTx/>
-              <a:uFillTx/>
-              <a:latin typeface="Segoe UI" pitchFamily="34" charset="0"/>
-              <a:ea typeface="+mn-ea"/>
-              <a:cs typeface="+mn-cs"/>
-            </a:endParaRPr>
-          </a:p>
-        </p:txBody>
-      </p:sp>
-      <p:sp>
-        <p:nvSpPr>
-          <p:cNvPr id="7" name="Slide Number Placeholder 6"/>
-          <p:cNvSpPr>
-            <a:spLocks noGrp="1"/>
-          </p:cNvSpPr>
-          <p:nvPr>
-            <p:ph type="sldNum" sz="quarter" idx="13"/>
-          </p:nvPr>
-        </p:nvSpPr>
-        <p:spPr/>
-        <p:txBody>
-          <a:bodyPr/>
-          <a:lstStyle/>
-          <a:p>
-            <a:pPr marL="0" marR="0" lvl="0" indent="0" algn="r" defTabSz="932742" rtl="0" eaLnBrk="1" fontAlgn="auto" latinLnBrk="0" hangingPunct="1">
-              <a:lnSpc>
-                <a:spcPct val="100000"/>
-              </a:lnSpc>
-              <a:spcBef>
-                <a:spcPts val="0"/>
-              </a:spcBef>
-              <a:spcAft>
-                <a:spcPts val="0"/>
-              </a:spcAft>
-              <a:buClrTx/>
-              <a:buSzTx/>
-              <a:buFontTx/>
-              <a:buNone/>
-              <a:tabLst/>
-              <a:defRPr/>
-            </a:pPr>
-            <a:fld id="{B4008EB6-D09E-4580-8CD6-DDB14511944F}" type="slidenum">
-              <a:rPr kumimoji="0" lang="en-US" sz="1200" b="0" i="0" u="none" strike="noStrike" kern="1200" cap="none" spc="0" normalizeH="0" baseline="0" noProof="0" smtClean="0">
-                <a:ln>
-                  <a:noFill/>
-                </a:ln>
-                <a:solidFill>
-                  <a:prstClr val="black"/>
-                </a:solidFill>
-                <a:effectLst/>
-                <a:uLnTx/>
-                <a:uFillTx/>
-                <a:latin typeface="Segoe UI" pitchFamily="34" charset="0"/>
-                <a:ea typeface="+mn-ea"/>
-                <a:cs typeface="+mn-cs"/>
-              </a:rPr>
-              <a:pPr marL="0" marR="0" lvl="0" indent="0" algn="r" defTabSz="932742" rtl="0" eaLnBrk="1" fontAlgn="auto" latinLnBrk="0" hangingPunct="1">
-                <a:lnSpc>
-                  <a:spcPct val="100000"/>
-                </a:lnSpc>
-                <a:spcBef>
-                  <a:spcPts val="0"/>
-                </a:spcBef>
-                <a:spcAft>
-                  <a:spcPts val="0"/>
-                </a:spcAft>
-                <a:buClrTx/>
-                <a:buSzTx/>
-                <a:buFontTx/>
-                <a:buNone/>
-                <a:tabLst/>
-                <a:defRPr/>
-              </a:pPr>
-              <a:t>10</a:t>
-            </a:fld>
-            <a:endParaRPr kumimoji="0" lang="en-US" sz="1200" b="0" i="0" u="none" strike="noStrike" kern="1200" cap="none" spc="0" normalizeH="0" baseline="0" noProof="0" dirty="0">
-              <a:ln>
-                <a:noFill/>
-              </a:ln>
-              <a:solidFill>
-                <a:prstClr val="black"/>
-              </a:solidFill>
-              <a:effectLst/>
-              <a:uLnTx/>
-              <a:uFillTx/>
-              <a:latin typeface="Segoe UI" pitchFamily="34" charset="0"/>
-              <a:ea typeface="+mn-ea"/>
-              <a:cs typeface="+mn-cs"/>
-            </a:endParaRPr>
-          </a:p>
-        </p:txBody>
-      </p:sp>
-    </p:spTree>
-    <p:extLst>
-      <p:ext uri="{BB962C8B-B14F-4D97-AF65-F5344CB8AC3E}">
-        <p14:creationId xmlns:p14="http://schemas.microsoft.com/office/powerpoint/2010/main" val="4075779819"/>
-      </p:ext>
-    </p:extLst>
-  </p:cSld>
-  <p:clrMapOvr>
-    <a:masterClrMapping/>
-  </p:clrMapOvr>
-</p:notes>
-</file>
-
-<file path=ppt/notesSlides/notesSlide11.xml><?xml version="1.0" encoding="utf-8"?>
-<p:notes xmlns:a="http://schemas.openxmlformats.org/drawingml/2006/main" xmlns:r="http://schemas.openxmlformats.org/officeDocument/2006/relationships" xmlns:p="http://schemas.openxmlformats.org/presentationml/2006/main">
-  <p:cSld>
-    <p:spTree>
-      <p:nvGrpSpPr>
-        <p:cNvPr id="1" name=""/>
-        <p:cNvGrpSpPr/>
-        <p:nvPr/>
-      </p:nvGrpSpPr>
-      <p:grpSpPr>
-        <a:xfrm>
-          <a:off x="0" y="0"/>
-          <a:ext cx="0" cy="0"/>
-          <a:chOff x="0" y="0"/>
-          <a:chExt cx="0" cy="0"/>
-        </a:xfrm>
-      </p:grpSpPr>
-      <p:sp>
-        <p:nvSpPr>
-          <p:cNvPr id="2" name="Slide Image Placeholder 1"/>
-          <p:cNvSpPr>
-            <a:spLocks noGrp="1" noRot="1" noChangeAspect="1"/>
-          </p:cNvSpPr>
-          <p:nvPr>
-            <p:ph type="sldImg"/>
-          </p:nvPr>
-        </p:nvSpPr>
-        <p:spPr/>
-      </p:sp>
-      <p:sp>
-        <p:nvSpPr>
-          <p:cNvPr id="3" name="Notes Placeholder 2"/>
-          <p:cNvSpPr>
-            <a:spLocks noGrp="1"/>
-          </p:cNvSpPr>
-          <p:nvPr>
-            <p:ph type="body" idx="1"/>
-          </p:nvPr>
-        </p:nvSpPr>
-        <p:spPr/>
-        <p:txBody>
-          <a:bodyPr/>
-          <a:lstStyle/>
-          <a:p>
-            <a:endParaRPr lang="en-US"/>
-          </a:p>
-        </p:txBody>
-      </p:sp>
-      <p:sp>
-        <p:nvSpPr>
-          <p:cNvPr id="4" name="Header Placeholder 3"/>
-          <p:cNvSpPr>
-            <a:spLocks noGrp="1"/>
-          </p:cNvSpPr>
-          <p:nvPr>
-            <p:ph type="hdr" sz="quarter" idx="10"/>
-          </p:nvPr>
-        </p:nvSpPr>
-        <p:spPr/>
-        <p:txBody>
-          <a:bodyPr/>
-          <a:lstStyle/>
-          <a:p>
-            <a:pPr marL="0" marR="0" lvl="0" indent="0" algn="l" defTabSz="932742" rtl="0" eaLnBrk="1" fontAlgn="auto" latinLnBrk="0" hangingPunct="1">
-              <a:lnSpc>
-                <a:spcPct val="100000"/>
-              </a:lnSpc>
-              <a:spcBef>
-                <a:spcPts val="0"/>
-              </a:spcBef>
-              <a:spcAft>
-                <a:spcPts val="0"/>
-              </a:spcAft>
-              <a:buClrTx/>
-              <a:buSzTx/>
-              <a:buFontTx/>
-              <a:buNone/>
-              <a:tabLst/>
-              <a:defRPr/>
-            </a:pPr>
-            <a:endParaRPr kumimoji="0" lang="en-US" sz="1200" b="0" i="0" u="none" strike="noStrike" kern="1200" cap="none" spc="0" normalizeH="0" baseline="0" noProof="0" dirty="0">
-              <a:ln>
-                <a:noFill/>
-              </a:ln>
-              <a:solidFill>
-                <a:prstClr val="black"/>
-              </a:solidFill>
-              <a:effectLst/>
-              <a:uLnTx/>
-              <a:uFillTx/>
-              <a:latin typeface="Segoe UI" pitchFamily="34" charset="0"/>
-              <a:ea typeface="+mn-ea"/>
-              <a:cs typeface="+mn-cs"/>
-            </a:endParaRPr>
-          </a:p>
-        </p:txBody>
-      </p:sp>
-      <p:sp>
-        <p:nvSpPr>
-          <p:cNvPr id="5" name="Footer Placeholder 4"/>
-          <p:cNvSpPr>
-            <a:spLocks noGrp="1"/>
-          </p:cNvSpPr>
-          <p:nvPr>
-            <p:ph type="ftr" sz="quarter" idx="11"/>
-          </p:nvPr>
-        </p:nvSpPr>
-        <p:spPr/>
-        <p:txBody>
-          <a:bodyPr/>
-          <a:lstStyle/>
-          <a:p>
-            <a:pPr marL="571500" marR="0" lvl="0" indent="0" algn="l" defTabSz="914099" rtl="0" eaLnBrk="0" fontAlgn="auto" latinLnBrk="0" hangingPunct="0">
-              <a:lnSpc>
-                <a:spcPct val="100000"/>
-              </a:lnSpc>
-              <a:spcBef>
-                <a:spcPts val="0"/>
-              </a:spcBef>
-              <a:spcAft>
-                <a:spcPts val="0"/>
-              </a:spcAft>
-              <a:buClrTx/>
-              <a:buSzTx/>
-              <a:buFontTx/>
-              <a:buNone/>
-              <a:tabLst/>
-              <a:defRPr/>
-            </a:pPr>
-            <a:r>
-              <a:rPr kumimoji="0" lang="en-US" sz="400" b="0" i="0" u="none" strike="noStrike" kern="1200" cap="none" spc="0" normalizeH="0" baseline="0" noProof="0">
-                <a:ln>
-                  <a:noFill/>
-                </a:ln>
-                <a:gradFill>
-                  <a:gsLst>
-                    <a:gs pos="0">
-                      <a:prstClr val="black"/>
-                    </a:gs>
-                    <a:gs pos="100000">
-                      <a:prstClr val="black"/>
-                    </a:gs>
-                  </a:gsLst>
-                  <a:lin ang="5400000" scaled="0"/>
-                </a:gradFill>
-                <a:effectLst/>
-                <a:uLnTx/>
-                <a:uFillTx/>
-                <a:latin typeface="Segoe UI" pitchFamily="34" charset="0"/>
-                <a:ea typeface="Segoe UI" pitchFamily="34" charset="0"/>
-                <a:cs typeface="Segoe UI" pitchFamily="34" charset="0"/>
-              </a:rPr>
-              <a:t>© Microsoft Corporation. All rights reserved. MICROSOFT MAKES NO WARRANTIES, EXPRESS, IMPLIED OR STATUTORY, AS TO THE INFORMATION IN THIS PRESENTATION.</a:t>
-            </a:r>
-            <a:endParaRPr kumimoji="0" lang="en-US" sz="400" b="0" i="0" u="none" strike="noStrike" kern="1200" cap="none" spc="0" normalizeH="0" baseline="0" noProof="0" dirty="0">
-              <a:ln>
-                <a:noFill/>
-              </a:ln>
-              <a:gradFill>
-                <a:gsLst>
-                  <a:gs pos="0">
-                    <a:prstClr val="black"/>
-                  </a:gs>
-                  <a:gs pos="100000">
-                    <a:prstClr val="black"/>
-                  </a:gs>
-                </a:gsLst>
-                <a:lin ang="5400000" scaled="0"/>
-              </a:gradFill>
-              <a:effectLst/>
-              <a:uLnTx/>
-              <a:uFillTx/>
-              <a:latin typeface="Segoe UI" pitchFamily="34" charset="0"/>
-              <a:ea typeface="Segoe UI" pitchFamily="34" charset="0"/>
-              <a:cs typeface="Segoe UI" pitchFamily="34" charset="0"/>
-            </a:endParaRPr>
-          </a:p>
-        </p:txBody>
-      </p:sp>
-      <p:sp>
-        <p:nvSpPr>
-          <p:cNvPr id="6" name="Date Placeholder 5"/>
-          <p:cNvSpPr>
-            <a:spLocks noGrp="1"/>
-          </p:cNvSpPr>
-          <p:nvPr>
-            <p:ph type="dt" idx="12"/>
-          </p:nvPr>
-        </p:nvSpPr>
-        <p:spPr/>
-        <p:txBody>
-          <a:bodyPr/>
-          <a:lstStyle/>
-          <a:p>
-            <a:pPr marL="0" marR="0" lvl="0" indent="0" algn="r" defTabSz="932742" rtl="0" eaLnBrk="1" fontAlgn="auto" latinLnBrk="0" hangingPunct="1">
-              <a:lnSpc>
-                <a:spcPct val="100000"/>
-              </a:lnSpc>
-              <a:spcBef>
-                <a:spcPts val="0"/>
-              </a:spcBef>
-              <a:spcAft>
-                <a:spcPts val="0"/>
-              </a:spcAft>
-              <a:buClrTx/>
-              <a:buSzTx/>
-              <a:buFontTx/>
-              <a:buNone/>
-              <a:tabLst/>
-              <a:defRPr/>
-            </a:pPr>
-            <a:fld id="{D18B56EA-E28F-4F92-9F16-7A6F2501B303}" type="datetime8">
-              <a:rPr kumimoji="0" lang="en-US" sz="1200" b="0" i="0" u="none" strike="noStrike" kern="1200" cap="none" spc="0" normalizeH="0" baseline="0" noProof="0" smtClean="0">
-                <a:ln>
-                  <a:noFill/>
-                </a:ln>
-                <a:solidFill>
-                  <a:prstClr val="black"/>
-                </a:solidFill>
-                <a:effectLst/>
-                <a:uLnTx/>
-                <a:uFillTx/>
-                <a:latin typeface="Segoe UI" pitchFamily="34" charset="0"/>
-                <a:ea typeface="+mn-ea"/>
-                <a:cs typeface="+mn-cs"/>
-              </a:rPr>
-              <a:pPr marL="0" marR="0" lvl="0" indent="0" algn="r" defTabSz="932742" rtl="0" eaLnBrk="1" fontAlgn="auto" latinLnBrk="0" hangingPunct="1">
-                <a:lnSpc>
-                  <a:spcPct val="100000"/>
-                </a:lnSpc>
-                <a:spcBef>
-                  <a:spcPts val="0"/>
-                </a:spcBef>
-                <a:spcAft>
-                  <a:spcPts val="0"/>
-                </a:spcAft>
-                <a:buClrTx/>
-                <a:buSzTx/>
-                <a:buFontTx/>
-                <a:buNone/>
-                <a:tabLst/>
-                <a:defRPr/>
-              </a:pPr>
-              <a:t>12/6/2017 2:11 PM</a:t>
+              <a:t>12/7/2017 12:26 AM</a:t>
             </a:fld>
             <a:endParaRPr kumimoji="0" lang="en-US" sz="1200" b="0" i="0" u="none" strike="noStrike" kern="1200" cap="none" spc="0" normalizeH="0" baseline="0" noProof="0" dirty="0">
               <a:ln>
@@ -1658,7 +1301,7 @@
     </p:spTree>
     <p:extLst>
       <p:ext uri="{BB962C8B-B14F-4D97-AF65-F5344CB8AC3E}">
-        <p14:creationId xmlns:p14="http://schemas.microsoft.com/office/powerpoint/2010/main" val="1782001418"/>
+        <p14:creationId xmlns:p14="http://schemas.microsoft.com/office/powerpoint/2010/main" val="4075779819"/>
       </p:ext>
     </p:extLst>
   </p:cSld>
@@ -1668,427 +1311,7 @@
 </p:notes>
 </file>
 
-<file path=ppt/notesSlides/notesSlide12.xml><?xml version="1.0" encoding="utf-8"?>
-<p:notes xmlns:a="http://schemas.openxmlformats.org/drawingml/2006/main" xmlns:r="http://schemas.openxmlformats.org/officeDocument/2006/relationships" xmlns:p="http://schemas.openxmlformats.org/presentationml/2006/main">
-  <p:cSld>
-    <p:spTree>
-      <p:nvGrpSpPr>
-        <p:cNvPr id="1" name=""/>
-        <p:cNvGrpSpPr/>
-        <p:nvPr/>
-      </p:nvGrpSpPr>
-      <p:grpSpPr>
-        <a:xfrm>
-          <a:off x="0" y="0"/>
-          <a:ext cx="0" cy="0"/>
-          <a:chOff x="0" y="0"/>
-          <a:chExt cx="0" cy="0"/>
-        </a:xfrm>
-      </p:grpSpPr>
-      <p:sp>
-        <p:nvSpPr>
-          <p:cNvPr id="2" name="Slide Image Placeholder 1"/>
-          <p:cNvSpPr>
-            <a:spLocks noGrp="1" noRot="1" noChangeAspect="1"/>
-          </p:cNvSpPr>
-          <p:nvPr>
-            <p:ph type="sldImg"/>
-          </p:nvPr>
-        </p:nvSpPr>
-        <p:spPr/>
-      </p:sp>
-      <p:sp>
-        <p:nvSpPr>
-          <p:cNvPr id="3" name="Notes Placeholder 2"/>
-          <p:cNvSpPr>
-            <a:spLocks noGrp="1"/>
-          </p:cNvSpPr>
-          <p:nvPr>
-            <p:ph type="body" idx="1"/>
-          </p:nvPr>
-        </p:nvSpPr>
-        <p:spPr/>
-        <p:txBody>
-          <a:bodyPr/>
-          <a:lstStyle/>
-          <a:p>
-            <a:endParaRPr lang="en-US"/>
-          </a:p>
-        </p:txBody>
-      </p:sp>
-      <p:sp>
-        <p:nvSpPr>
-          <p:cNvPr id="4" name="Slide Number Placeholder 3"/>
-          <p:cNvSpPr>
-            <a:spLocks noGrp="1"/>
-          </p:cNvSpPr>
-          <p:nvPr>
-            <p:ph type="sldNum" sz="quarter" idx="10"/>
-          </p:nvPr>
-        </p:nvSpPr>
-        <p:spPr/>
-        <p:txBody>
-          <a:bodyPr/>
-          <a:lstStyle/>
-          <a:p>
-            <a:fld id="{6F4359F3-A1DB-42F0-B895-2E4AB9AF34F1}" type="slidenum">
-              <a:rPr lang="en-US" smtClean="0"/>
-              <a:t>12</a:t>
-            </a:fld>
-            <a:endParaRPr lang="en-US"/>
-          </a:p>
-        </p:txBody>
-      </p:sp>
-    </p:spTree>
-    <p:extLst>
-      <p:ext uri="{BB962C8B-B14F-4D97-AF65-F5344CB8AC3E}">
-        <p14:creationId xmlns:p14="http://schemas.microsoft.com/office/powerpoint/2010/main" val="1503189468"/>
-      </p:ext>
-    </p:extLst>
-  </p:cSld>
-  <p:clrMapOvr>
-    <a:masterClrMapping/>
-  </p:clrMapOvr>
-</p:notes>
-</file>
-
-<file path=ppt/notesSlides/notesSlide13.xml><?xml version="1.0" encoding="utf-8"?>
-<p:notes xmlns:a="http://schemas.openxmlformats.org/drawingml/2006/main" xmlns:r="http://schemas.openxmlformats.org/officeDocument/2006/relationships" xmlns:p="http://schemas.openxmlformats.org/presentationml/2006/main">
-  <p:cSld>
-    <p:spTree>
-      <p:nvGrpSpPr>
-        <p:cNvPr id="1" name=""/>
-        <p:cNvGrpSpPr/>
-        <p:nvPr/>
-      </p:nvGrpSpPr>
-      <p:grpSpPr>
-        <a:xfrm>
-          <a:off x="0" y="0"/>
-          <a:ext cx="0" cy="0"/>
-          <a:chOff x="0" y="0"/>
-          <a:chExt cx="0" cy="0"/>
-        </a:xfrm>
-      </p:grpSpPr>
-      <p:sp>
-        <p:nvSpPr>
-          <p:cNvPr id="2" name="Slide Image Placeholder 1"/>
-          <p:cNvSpPr>
-            <a:spLocks noGrp="1" noRot="1" noChangeAspect="1"/>
-          </p:cNvSpPr>
-          <p:nvPr>
-            <p:ph type="sldImg"/>
-          </p:nvPr>
-        </p:nvSpPr>
-        <p:spPr/>
-      </p:sp>
-      <p:sp>
-        <p:nvSpPr>
-          <p:cNvPr id="3" name="Notes Placeholder 2"/>
-          <p:cNvSpPr>
-            <a:spLocks noGrp="1"/>
-          </p:cNvSpPr>
-          <p:nvPr>
-            <p:ph type="body" idx="1"/>
-          </p:nvPr>
-        </p:nvSpPr>
-        <p:spPr/>
-        <p:txBody>
-          <a:bodyPr/>
-          <a:lstStyle/>
-          <a:p>
-            <a:endParaRPr lang="en-US"/>
-          </a:p>
-        </p:txBody>
-      </p:sp>
-      <p:sp>
-        <p:nvSpPr>
-          <p:cNvPr id="4" name="Slide Number Placeholder 3"/>
-          <p:cNvSpPr>
-            <a:spLocks noGrp="1"/>
-          </p:cNvSpPr>
-          <p:nvPr>
-            <p:ph type="sldNum" sz="quarter" idx="10"/>
-          </p:nvPr>
-        </p:nvSpPr>
-        <p:spPr/>
-        <p:txBody>
-          <a:bodyPr/>
-          <a:lstStyle/>
-          <a:p>
-            <a:fld id="{6F4359F3-A1DB-42F0-B895-2E4AB9AF34F1}" type="slidenum">
-              <a:rPr lang="en-US" smtClean="0"/>
-              <a:t>13</a:t>
-            </a:fld>
-            <a:endParaRPr lang="en-US"/>
-          </a:p>
-        </p:txBody>
-      </p:sp>
-    </p:spTree>
-    <p:extLst>
-      <p:ext uri="{BB962C8B-B14F-4D97-AF65-F5344CB8AC3E}">
-        <p14:creationId xmlns:p14="http://schemas.microsoft.com/office/powerpoint/2010/main" val="1768614968"/>
-      </p:ext>
-    </p:extLst>
-  </p:cSld>
-  <p:clrMapOvr>
-    <a:masterClrMapping/>
-  </p:clrMapOvr>
-</p:notes>
-</file>
-
-<file path=ppt/notesSlides/notesSlide14.xml><?xml version="1.0" encoding="utf-8"?>
-<p:notes xmlns:a="http://schemas.openxmlformats.org/drawingml/2006/main" xmlns:r="http://schemas.openxmlformats.org/officeDocument/2006/relationships" xmlns:p="http://schemas.openxmlformats.org/presentationml/2006/main">
-  <p:cSld>
-    <p:spTree>
-      <p:nvGrpSpPr>
-        <p:cNvPr id="1" name=""/>
-        <p:cNvGrpSpPr/>
-        <p:nvPr/>
-      </p:nvGrpSpPr>
-      <p:grpSpPr>
-        <a:xfrm>
-          <a:off x="0" y="0"/>
-          <a:ext cx="0" cy="0"/>
-          <a:chOff x="0" y="0"/>
-          <a:chExt cx="0" cy="0"/>
-        </a:xfrm>
-      </p:grpSpPr>
-      <p:sp>
-        <p:nvSpPr>
-          <p:cNvPr id="2" name="Slide Image Placeholder 1"/>
-          <p:cNvSpPr>
-            <a:spLocks noGrp="1" noRot="1" noChangeAspect="1"/>
-          </p:cNvSpPr>
-          <p:nvPr>
-            <p:ph type="sldImg"/>
-          </p:nvPr>
-        </p:nvSpPr>
-        <p:spPr/>
-      </p:sp>
-      <p:sp>
-        <p:nvSpPr>
-          <p:cNvPr id="3" name="Notes Placeholder 2"/>
-          <p:cNvSpPr>
-            <a:spLocks noGrp="1"/>
-          </p:cNvSpPr>
-          <p:nvPr>
-            <p:ph type="body" idx="1"/>
-          </p:nvPr>
-        </p:nvSpPr>
-        <p:spPr/>
-        <p:txBody>
-          <a:bodyPr/>
-          <a:lstStyle/>
-          <a:p>
-            <a:endParaRPr lang="en-US"/>
-          </a:p>
-        </p:txBody>
-      </p:sp>
-      <p:sp>
-        <p:nvSpPr>
-          <p:cNvPr id="4" name="Slide Number Placeholder 3"/>
-          <p:cNvSpPr>
-            <a:spLocks noGrp="1"/>
-          </p:cNvSpPr>
-          <p:nvPr>
-            <p:ph type="sldNum" sz="quarter" idx="10"/>
-          </p:nvPr>
-        </p:nvSpPr>
-        <p:spPr/>
-        <p:txBody>
-          <a:bodyPr/>
-          <a:lstStyle/>
-          <a:p>
-            <a:fld id="{6F4359F3-A1DB-42F0-B895-2E4AB9AF34F1}" type="slidenum">
-              <a:rPr lang="en-US" smtClean="0"/>
-              <a:t>14</a:t>
-            </a:fld>
-            <a:endParaRPr lang="en-US"/>
-          </a:p>
-        </p:txBody>
-      </p:sp>
-    </p:spTree>
-    <p:extLst>
-      <p:ext uri="{BB962C8B-B14F-4D97-AF65-F5344CB8AC3E}">
-        <p14:creationId xmlns:p14="http://schemas.microsoft.com/office/powerpoint/2010/main" val="1505215661"/>
-      </p:ext>
-    </p:extLst>
-  </p:cSld>
-  <p:clrMapOvr>
-    <a:masterClrMapping/>
-  </p:clrMapOvr>
-</p:notes>
-</file>
-
-<file path=ppt/notesSlides/notesSlide15.xml><?xml version="1.0" encoding="utf-8"?>
-<p:notes xmlns:a="http://schemas.openxmlformats.org/drawingml/2006/main" xmlns:r="http://schemas.openxmlformats.org/officeDocument/2006/relationships" xmlns:p="http://schemas.openxmlformats.org/presentationml/2006/main">
-  <p:cSld>
-    <p:spTree>
-      <p:nvGrpSpPr>
-        <p:cNvPr id="1" name=""/>
-        <p:cNvGrpSpPr/>
-        <p:nvPr/>
-      </p:nvGrpSpPr>
-      <p:grpSpPr>
-        <a:xfrm>
-          <a:off x="0" y="0"/>
-          <a:ext cx="0" cy="0"/>
-          <a:chOff x="0" y="0"/>
-          <a:chExt cx="0" cy="0"/>
-        </a:xfrm>
-      </p:grpSpPr>
-      <p:sp>
-        <p:nvSpPr>
-          <p:cNvPr id="2" name="Slide Image Placeholder 1"/>
-          <p:cNvSpPr>
-            <a:spLocks noGrp="1" noRot="1" noChangeAspect="1"/>
-          </p:cNvSpPr>
-          <p:nvPr>
-            <p:ph type="sldImg"/>
-          </p:nvPr>
-        </p:nvSpPr>
-        <p:spPr/>
-      </p:sp>
-      <p:sp>
-        <p:nvSpPr>
-          <p:cNvPr id="3" name="Notes Placeholder 2"/>
-          <p:cNvSpPr>
-            <a:spLocks noGrp="1"/>
-          </p:cNvSpPr>
-          <p:nvPr>
-            <p:ph type="body" idx="1"/>
-          </p:nvPr>
-        </p:nvSpPr>
-        <p:spPr/>
-        <p:txBody>
-          <a:bodyPr/>
-          <a:lstStyle/>
-          <a:p>
-            <a:endParaRPr lang="en-US"/>
-          </a:p>
-        </p:txBody>
-      </p:sp>
-      <p:sp>
-        <p:nvSpPr>
-          <p:cNvPr id="4" name="Slide Number Placeholder 3"/>
-          <p:cNvSpPr>
-            <a:spLocks noGrp="1"/>
-          </p:cNvSpPr>
-          <p:nvPr>
-            <p:ph type="sldNum" sz="quarter" idx="10"/>
-          </p:nvPr>
-        </p:nvSpPr>
-        <p:spPr/>
-        <p:txBody>
-          <a:bodyPr/>
-          <a:lstStyle/>
-          <a:p>
-            <a:fld id="{6F4359F3-A1DB-42F0-B895-2E4AB9AF34F1}" type="slidenum">
-              <a:rPr lang="en-US" smtClean="0"/>
-              <a:t>15</a:t>
-            </a:fld>
-            <a:endParaRPr lang="en-US"/>
-          </a:p>
-        </p:txBody>
-      </p:sp>
-    </p:spTree>
-    <p:extLst>
-      <p:ext uri="{BB962C8B-B14F-4D97-AF65-F5344CB8AC3E}">
-        <p14:creationId xmlns:p14="http://schemas.microsoft.com/office/powerpoint/2010/main" val="2728780742"/>
-      </p:ext>
-    </p:extLst>
-  </p:cSld>
-  <p:clrMapOvr>
-    <a:masterClrMapping/>
-  </p:clrMapOvr>
-</p:notes>
-</file>
-
-<file path=ppt/notesSlides/notesSlide16.xml><?xml version="1.0" encoding="utf-8"?>
-<p:notes xmlns:a="http://schemas.openxmlformats.org/drawingml/2006/main" xmlns:r="http://schemas.openxmlformats.org/officeDocument/2006/relationships" xmlns:p="http://schemas.openxmlformats.org/presentationml/2006/main">
-  <p:cSld>
-    <p:spTree>
-      <p:nvGrpSpPr>
-        <p:cNvPr id="1" name=""/>
-        <p:cNvGrpSpPr/>
-        <p:nvPr/>
-      </p:nvGrpSpPr>
-      <p:grpSpPr>
-        <a:xfrm>
-          <a:off x="0" y="0"/>
-          <a:ext cx="0" cy="0"/>
-          <a:chOff x="0" y="0"/>
-          <a:chExt cx="0" cy="0"/>
-        </a:xfrm>
-      </p:grpSpPr>
-      <p:sp>
-        <p:nvSpPr>
-          <p:cNvPr id="2" name="Slide Image Placeholder 1"/>
-          <p:cNvSpPr>
-            <a:spLocks noGrp="1" noRot="1" noChangeAspect="1"/>
-          </p:cNvSpPr>
-          <p:nvPr>
-            <p:ph type="sldImg"/>
-          </p:nvPr>
-        </p:nvSpPr>
-        <p:spPr/>
-      </p:sp>
-      <p:sp>
-        <p:nvSpPr>
-          <p:cNvPr id="3" name="Notes Placeholder 2"/>
-          <p:cNvSpPr>
-            <a:spLocks noGrp="1"/>
-          </p:cNvSpPr>
-          <p:nvPr>
-            <p:ph type="body" idx="1"/>
-          </p:nvPr>
-        </p:nvSpPr>
-        <p:spPr/>
-        <p:txBody>
-          <a:bodyPr/>
-          <a:lstStyle/>
-          <a:p>
-            <a:endParaRPr lang="en-US"/>
-          </a:p>
-        </p:txBody>
-      </p:sp>
-      <p:sp>
-        <p:nvSpPr>
-          <p:cNvPr id="4" name="Slide Number Placeholder 3"/>
-          <p:cNvSpPr>
-            <a:spLocks noGrp="1"/>
-          </p:cNvSpPr>
-          <p:nvPr>
-            <p:ph type="sldNum" sz="quarter" idx="10"/>
-          </p:nvPr>
-        </p:nvSpPr>
-        <p:spPr/>
-        <p:txBody>
-          <a:bodyPr/>
-          <a:lstStyle/>
-          <a:p>
-            <a:fld id="{6F4359F3-A1DB-42F0-B895-2E4AB9AF34F1}" type="slidenum">
-              <a:rPr lang="en-US" smtClean="0"/>
-              <a:t>16</a:t>
-            </a:fld>
-            <a:endParaRPr lang="en-US"/>
-          </a:p>
-        </p:txBody>
-      </p:sp>
-    </p:spTree>
-    <p:extLst>
-      <p:ext uri="{BB962C8B-B14F-4D97-AF65-F5344CB8AC3E}">
-        <p14:creationId xmlns:p14="http://schemas.microsoft.com/office/powerpoint/2010/main" val="483922953"/>
-      </p:ext>
-    </p:extLst>
-  </p:cSld>
-  <p:clrMapOvr>
-    <a:masterClrMapping/>
-  </p:clrMapOvr>
-</p:notes>
-</file>
-
-<file path=ppt/notesSlides/notesSlide17.xml><?xml version="1.0" encoding="utf-8"?>
+<file path=ppt/notesSlides/notesSlide11.xml><?xml version="1.0" encoding="utf-8"?>
 <p:notes xmlns:a="http://schemas.openxmlformats.org/drawingml/2006/main" xmlns:r="http://schemas.openxmlformats.org/officeDocument/2006/relationships" xmlns:p="http://schemas.openxmlformats.org/presentationml/2006/main">
   <p:cSld>
     <p:spTree>
@@ -2331,7 +1554,7 @@
                 <a:tabLst/>
                 <a:defRPr/>
               </a:pPr>
-              <a:t>12/6/2017 2:11 PM</a:t>
+              <a:t>12/7/2017 12:26 AM</a:t>
             </a:fld>
             <a:endParaRPr kumimoji="0" lang="en-US" sz="1200" b="0" i="0" u="none" strike="noStrike" kern="1200" cap="none" spc="0" normalizeH="0" baseline="0" noProof="0" dirty="0">
               <a:ln>
@@ -2414,7 +1637,785 @@
                 <a:tabLst/>
                 <a:defRPr/>
               </a:pPr>
+              <a:t>12</a:t>
+            </a:fld>
+            <a:endParaRPr kumimoji="0" lang="en-US" sz="1200" b="0" i="0" u="none" strike="noStrike" kern="1200" cap="none" spc="0" normalizeH="0" baseline="0" noProof="0" dirty="0">
+              <a:ln>
+                <a:noFill/>
+              </a:ln>
+              <a:solidFill>
+                <a:prstClr val="black"/>
+              </a:solidFill>
+              <a:effectLst/>
+              <a:uLnTx/>
+              <a:uFillTx/>
+              <a:latin typeface="Segoe UI" pitchFamily="34" charset="0"/>
+              <a:ea typeface="+mn-ea"/>
+              <a:cs typeface="+mn-cs"/>
+            </a:endParaRPr>
+          </a:p>
+        </p:txBody>
+      </p:sp>
+    </p:spTree>
+    <p:extLst>
+      <p:ext uri="{BB962C8B-B14F-4D97-AF65-F5344CB8AC3E}">
+        <p14:creationId xmlns:p14="http://schemas.microsoft.com/office/powerpoint/2010/main" val="1782001418"/>
+      </p:ext>
+    </p:extLst>
+  </p:cSld>
+  <p:clrMapOvr>
+    <a:masterClrMapping/>
+  </p:clrMapOvr>
+</p:notes>
+</file>
+
+<file path=ppt/notesSlides/notesSlide12.xml><?xml version="1.0" encoding="utf-8"?>
+<p:notes xmlns:a="http://schemas.openxmlformats.org/drawingml/2006/main" xmlns:r="http://schemas.openxmlformats.org/officeDocument/2006/relationships" xmlns:p="http://schemas.openxmlformats.org/presentationml/2006/main">
+  <p:cSld>
+    <p:spTree>
+      <p:nvGrpSpPr>
+        <p:cNvPr id="1" name=""/>
+        <p:cNvGrpSpPr/>
+        <p:nvPr/>
+      </p:nvGrpSpPr>
+      <p:grpSpPr>
+        <a:xfrm>
+          <a:off x="0" y="0"/>
+          <a:ext cx="0" cy="0"/>
+          <a:chOff x="0" y="0"/>
+          <a:chExt cx="0" cy="0"/>
+        </a:xfrm>
+      </p:grpSpPr>
+      <p:sp>
+        <p:nvSpPr>
+          <p:cNvPr id="2" name="Slide Image Placeholder 1"/>
+          <p:cNvSpPr>
+            <a:spLocks noGrp="1" noRot="1" noChangeAspect="1"/>
+          </p:cNvSpPr>
+          <p:nvPr>
+            <p:ph type="sldImg"/>
+          </p:nvPr>
+        </p:nvSpPr>
+        <p:spPr/>
+      </p:sp>
+      <p:sp>
+        <p:nvSpPr>
+          <p:cNvPr id="3" name="Notes Placeholder 2"/>
+          <p:cNvSpPr>
+            <a:spLocks noGrp="1"/>
+          </p:cNvSpPr>
+          <p:nvPr>
+            <p:ph type="body" idx="1"/>
+          </p:nvPr>
+        </p:nvSpPr>
+        <p:spPr/>
+        <p:txBody>
+          <a:bodyPr/>
+          <a:lstStyle/>
+          <a:p>
+            <a:endParaRPr lang="en-US"/>
+          </a:p>
+        </p:txBody>
+      </p:sp>
+      <p:sp>
+        <p:nvSpPr>
+          <p:cNvPr id="4" name="Slide Number Placeholder 3"/>
+          <p:cNvSpPr>
+            <a:spLocks noGrp="1"/>
+          </p:cNvSpPr>
+          <p:nvPr>
+            <p:ph type="sldNum" sz="quarter" idx="10"/>
+          </p:nvPr>
+        </p:nvSpPr>
+        <p:spPr/>
+        <p:txBody>
+          <a:bodyPr/>
+          <a:lstStyle/>
+          <a:p>
+            <a:fld id="{6F4359F3-A1DB-42F0-B895-2E4AB9AF34F1}" type="slidenum">
+              <a:rPr lang="en-US" smtClean="0"/>
+              <a:t>13</a:t>
+            </a:fld>
+            <a:endParaRPr lang="en-US"/>
+          </a:p>
+        </p:txBody>
+      </p:sp>
+    </p:spTree>
+    <p:extLst>
+      <p:ext uri="{BB962C8B-B14F-4D97-AF65-F5344CB8AC3E}">
+        <p14:creationId xmlns:p14="http://schemas.microsoft.com/office/powerpoint/2010/main" val="1503189468"/>
+      </p:ext>
+    </p:extLst>
+  </p:cSld>
+  <p:clrMapOvr>
+    <a:masterClrMapping/>
+  </p:clrMapOvr>
+</p:notes>
+</file>
+
+<file path=ppt/notesSlides/notesSlide13.xml><?xml version="1.0" encoding="utf-8"?>
+<p:notes xmlns:a="http://schemas.openxmlformats.org/drawingml/2006/main" xmlns:r="http://schemas.openxmlformats.org/officeDocument/2006/relationships" xmlns:p="http://schemas.openxmlformats.org/presentationml/2006/main">
+  <p:cSld>
+    <p:spTree>
+      <p:nvGrpSpPr>
+        <p:cNvPr id="1" name=""/>
+        <p:cNvGrpSpPr/>
+        <p:nvPr/>
+      </p:nvGrpSpPr>
+      <p:grpSpPr>
+        <a:xfrm>
+          <a:off x="0" y="0"/>
+          <a:ext cx="0" cy="0"/>
+          <a:chOff x="0" y="0"/>
+          <a:chExt cx="0" cy="0"/>
+        </a:xfrm>
+      </p:grpSpPr>
+      <p:sp>
+        <p:nvSpPr>
+          <p:cNvPr id="2" name="Slide Image Placeholder 1"/>
+          <p:cNvSpPr>
+            <a:spLocks noGrp="1" noRot="1" noChangeAspect="1"/>
+          </p:cNvSpPr>
+          <p:nvPr>
+            <p:ph type="sldImg"/>
+          </p:nvPr>
+        </p:nvSpPr>
+        <p:spPr/>
+      </p:sp>
+      <p:sp>
+        <p:nvSpPr>
+          <p:cNvPr id="3" name="Notes Placeholder 2"/>
+          <p:cNvSpPr>
+            <a:spLocks noGrp="1"/>
+          </p:cNvSpPr>
+          <p:nvPr>
+            <p:ph type="body" idx="1"/>
+          </p:nvPr>
+        </p:nvSpPr>
+        <p:spPr/>
+        <p:txBody>
+          <a:bodyPr/>
+          <a:lstStyle/>
+          <a:p>
+            <a:endParaRPr lang="en-US"/>
+          </a:p>
+        </p:txBody>
+      </p:sp>
+      <p:sp>
+        <p:nvSpPr>
+          <p:cNvPr id="4" name="Slide Number Placeholder 3"/>
+          <p:cNvSpPr>
+            <a:spLocks noGrp="1"/>
+          </p:cNvSpPr>
+          <p:nvPr>
+            <p:ph type="sldNum" sz="quarter" idx="10"/>
+          </p:nvPr>
+        </p:nvSpPr>
+        <p:spPr/>
+        <p:txBody>
+          <a:bodyPr/>
+          <a:lstStyle/>
+          <a:p>
+            <a:fld id="{6F4359F3-A1DB-42F0-B895-2E4AB9AF34F1}" type="slidenum">
+              <a:rPr lang="en-US" smtClean="0"/>
+              <a:t>14</a:t>
+            </a:fld>
+            <a:endParaRPr lang="en-US"/>
+          </a:p>
+        </p:txBody>
+      </p:sp>
+    </p:spTree>
+    <p:extLst>
+      <p:ext uri="{BB962C8B-B14F-4D97-AF65-F5344CB8AC3E}">
+        <p14:creationId xmlns:p14="http://schemas.microsoft.com/office/powerpoint/2010/main" val="1768614968"/>
+      </p:ext>
+    </p:extLst>
+  </p:cSld>
+  <p:clrMapOvr>
+    <a:masterClrMapping/>
+  </p:clrMapOvr>
+</p:notes>
+</file>
+
+<file path=ppt/notesSlides/notesSlide14.xml><?xml version="1.0" encoding="utf-8"?>
+<p:notes xmlns:a="http://schemas.openxmlformats.org/drawingml/2006/main" xmlns:r="http://schemas.openxmlformats.org/officeDocument/2006/relationships" xmlns:p="http://schemas.openxmlformats.org/presentationml/2006/main">
+  <p:cSld>
+    <p:spTree>
+      <p:nvGrpSpPr>
+        <p:cNvPr id="1" name=""/>
+        <p:cNvGrpSpPr/>
+        <p:nvPr/>
+      </p:nvGrpSpPr>
+      <p:grpSpPr>
+        <a:xfrm>
+          <a:off x="0" y="0"/>
+          <a:ext cx="0" cy="0"/>
+          <a:chOff x="0" y="0"/>
+          <a:chExt cx="0" cy="0"/>
+        </a:xfrm>
+      </p:grpSpPr>
+      <p:sp>
+        <p:nvSpPr>
+          <p:cNvPr id="2" name="Slide Image Placeholder 1"/>
+          <p:cNvSpPr>
+            <a:spLocks noGrp="1" noRot="1" noChangeAspect="1"/>
+          </p:cNvSpPr>
+          <p:nvPr>
+            <p:ph type="sldImg"/>
+          </p:nvPr>
+        </p:nvSpPr>
+        <p:spPr/>
+      </p:sp>
+      <p:sp>
+        <p:nvSpPr>
+          <p:cNvPr id="3" name="Notes Placeholder 2"/>
+          <p:cNvSpPr>
+            <a:spLocks noGrp="1"/>
+          </p:cNvSpPr>
+          <p:nvPr>
+            <p:ph type="body" idx="1"/>
+          </p:nvPr>
+        </p:nvSpPr>
+        <p:spPr/>
+        <p:txBody>
+          <a:bodyPr/>
+          <a:lstStyle/>
+          <a:p>
+            <a:endParaRPr lang="en-US"/>
+          </a:p>
+        </p:txBody>
+      </p:sp>
+      <p:sp>
+        <p:nvSpPr>
+          <p:cNvPr id="4" name="Slide Number Placeholder 3"/>
+          <p:cNvSpPr>
+            <a:spLocks noGrp="1"/>
+          </p:cNvSpPr>
+          <p:nvPr>
+            <p:ph type="sldNum" sz="quarter" idx="10"/>
+          </p:nvPr>
+        </p:nvSpPr>
+        <p:spPr/>
+        <p:txBody>
+          <a:bodyPr/>
+          <a:lstStyle/>
+          <a:p>
+            <a:fld id="{6F4359F3-A1DB-42F0-B895-2E4AB9AF34F1}" type="slidenum">
+              <a:rPr lang="en-US" smtClean="0"/>
+              <a:t>15</a:t>
+            </a:fld>
+            <a:endParaRPr lang="en-US"/>
+          </a:p>
+        </p:txBody>
+      </p:sp>
+    </p:spTree>
+    <p:extLst>
+      <p:ext uri="{BB962C8B-B14F-4D97-AF65-F5344CB8AC3E}">
+        <p14:creationId xmlns:p14="http://schemas.microsoft.com/office/powerpoint/2010/main" val="1505215661"/>
+      </p:ext>
+    </p:extLst>
+  </p:cSld>
+  <p:clrMapOvr>
+    <a:masterClrMapping/>
+  </p:clrMapOvr>
+</p:notes>
+</file>
+
+<file path=ppt/notesSlides/notesSlide15.xml><?xml version="1.0" encoding="utf-8"?>
+<p:notes xmlns:a="http://schemas.openxmlformats.org/drawingml/2006/main" xmlns:r="http://schemas.openxmlformats.org/officeDocument/2006/relationships" xmlns:p="http://schemas.openxmlformats.org/presentationml/2006/main">
+  <p:cSld>
+    <p:spTree>
+      <p:nvGrpSpPr>
+        <p:cNvPr id="1" name=""/>
+        <p:cNvGrpSpPr/>
+        <p:nvPr/>
+      </p:nvGrpSpPr>
+      <p:grpSpPr>
+        <a:xfrm>
+          <a:off x="0" y="0"/>
+          <a:ext cx="0" cy="0"/>
+          <a:chOff x="0" y="0"/>
+          <a:chExt cx="0" cy="0"/>
+        </a:xfrm>
+      </p:grpSpPr>
+      <p:sp>
+        <p:nvSpPr>
+          <p:cNvPr id="2" name="Slide Image Placeholder 1"/>
+          <p:cNvSpPr>
+            <a:spLocks noGrp="1" noRot="1" noChangeAspect="1"/>
+          </p:cNvSpPr>
+          <p:nvPr>
+            <p:ph type="sldImg"/>
+          </p:nvPr>
+        </p:nvSpPr>
+        <p:spPr/>
+      </p:sp>
+      <p:sp>
+        <p:nvSpPr>
+          <p:cNvPr id="3" name="Notes Placeholder 2"/>
+          <p:cNvSpPr>
+            <a:spLocks noGrp="1"/>
+          </p:cNvSpPr>
+          <p:nvPr>
+            <p:ph type="body" idx="1"/>
+          </p:nvPr>
+        </p:nvSpPr>
+        <p:spPr/>
+        <p:txBody>
+          <a:bodyPr/>
+          <a:lstStyle/>
+          <a:p>
+            <a:endParaRPr lang="en-US"/>
+          </a:p>
+        </p:txBody>
+      </p:sp>
+      <p:sp>
+        <p:nvSpPr>
+          <p:cNvPr id="4" name="Slide Number Placeholder 3"/>
+          <p:cNvSpPr>
+            <a:spLocks noGrp="1"/>
+          </p:cNvSpPr>
+          <p:nvPr>
+            <p:ph type="sldNum" sz="quarter" idx="10"/>
+          </p:nvPr>
+        </p:nvSpPr>
+        <p:spPr/>
+        <p:txBody>
+          <a:bodyPr/>
+          <a:lstStyle/>
+          <a:p>
+            <a:fld id="{6F4359F3-A1DB-42F0-B895-2E4AB9AF34F1}" type="slidenum">
+              <a:rPr lang="en-US" smtClean="0"/>
+              <a:t>16</a:t>
+            </a:fld>
+            <a:endParaRPr lang="en-US"/>
+          </a:p>
+        </p:txBody>
+      </p:sp>
+    </p:spTree>
+    <p:extLst>
+      <p:ext uri="{BB962C8B-B14F-4D97-AF65-F5344CB8AC3E}">
+        <p14:creationId xmlns:p14="http://schemas.microsoft.com/office/powerpoint/2010/main" val="2728780742"/>
+      </p:ext>
+    </p:extLst>
+  </p:cSld>
+  <p:clrMapOvr>
+    <a:masterClrMapping/>
+  </p:clrMapOvr>
+</p:notes>
+</file>
+
+<file path=ppt/notesSlides/notesSlide16.xml><?xml version="1.0" encoding="utf-8"?>
+<p:notes xmlns:a="http://schemas.openxmlformats.org/drawingml/2006/main" xmlns:r="http://schemas.openxmlformats.org/officeDocument/2006/relationships" xmlns:p="http://schemas.openxmlformats.org/presentationml/2006/main">
+  <p:cSld>
+    <p:spTree>
+      <p:nvGrpSpPr>
+        <p:cNvPr id="1" name=""/>
+        <p:cNvGrpSpPr/>
+        <p:nvPr/>
+      </p:nvGrpSpPr>
+      <p:grpSpPr>
+        <a:xfrm>
+          <a:off x="0" y="0"/>
+          <a:ext cx="0" cy="0"/>
+          <a:chOff x="0" y="0"/>
+          <a:chExt cx="0" cy="0"/>
+        </a:xfrm>
+      </p:grpSpPr>
+      <p:sp>
+        <p:nvSpPr>
+          <p:cNvPr id="2" name="Slide Image Placeholder 1"/>
+          <p:cNvSpPr>
+            <a:spLocks noGrp="1" noRot="1" noChangeAspect="1"/>
+          </p:cNvSpPr>
+          <p:nvPr>
+            <p:ph type="sldImg"/>
+          </p:nvPr>
+        </p:nvSpPr>
+        <p:spPr/>
+      </p:sp>
+      <p:sp>
+        <p:nvSpPr>
+          <p:cNvPr id="3" name="Notes Placeholder 2"/>
+          <p:cNvSpPr>
+            <a:spLocks noGrp="1"/>
+          </p:cNvSpPr>
+          <p:nvPr>
+            <p:ph type="body" idx="1"/>
+          </p:nvPr>
+        </p:nvSpPr>
+        <p:spPr/>
+        <p:txBody>
+          <a:bodyPr/>
+          <a:lstStyle/>
+          <a:p>
+            <a:endParaRPr lang="en-US"/>
+          </a:p>
+        </p:txBody>
+      </p:sp>
+      <p:sp>
+        <p:nvSpPr>
+          <p:cNvPr id="4" name="Slide Number Placeholder 3"/>
+          <p:cNvSpPr>
+            <a:spLocks noGrp="1"/>
+          </p:cNvSpPr>
+          <p:nvPr>
+            <p:ph type="sldNum" sz="quarter" idx="10"/>
+          </p:nvPr>
+        </p:nvSpPr>
+        <p:spPr/>
+        <p:txBody>
+          <a:bodyPr/>
+          <a:lstStyle/>
+          <a:p>
+            <a:fld id="{6F4359F3-A1DB-42F0-B895-2E4AB9AF34F1}" type="slidenum">
+              <a:rPr lang="en-US" smtClean="0"/>
               <a:t>17</a:t>
+            </a:fld>
+            <a:endParaRPr lang="en-US"/>
+          </a:p>
+        </p:txBody>
+      </p:sp>
+    </p:spTree>
+    <p:extLst>
+      <p:ext uri="{BB962C8B-B14F-4D97-AF65-F5344CB8AC3E}">
+        <p14:creationId xmlns:p14="http://schemas.microsoft.com/office/powerpoint/2010/main" val="483922953"/>
+      </p:ext>
+    </p:extLst>
+  </p:cSld>
+  <p:clrMapOvr>
+    <a:masterClrMapping/>
+  </p:clrMapOvr>
+</p:notes>
+</file>
+
+<file path=ppt/notesSlides/notesSlide17.xml><?xml version="1.0" encoding="utf-8"?>
+<p:notes xmlns:a="http://schemas.openxmlformats.org/drawingml/2006/main" xmlns:r="http://schemas.openxmlformats.org/officeDocument/2006/relationships" xmlns:p="http://schemas.openxmlformats.org/presentationml/2006/main">
+  <p:cSld>
+    <p:spTree>
+      <p:nvGrpSpPr>
+        <p:cNvPr id="1" name=""/>
+        <p:cNvGrpSpPr/>
+        <p:nvPr/>
+      </p:nvGrpSpPr>
+      <p:grpSpPr>
+        <a:xfrm>
+          <a:off x="0" y="0"/>
+          <a:ext cx="0" cy="0"/>
+          <a:chOff x="0" y="0"/>
+          <a:chExt cx="0" cy="0"/>
+        </a:xfrm>
+      </p:grpSpPr>
+      <p:sp>
+        <p:nvSpPr>
+          <p:cNvPr id="2" name="Slide Image Placeholder 1"/>
+          <p:cNvSpPr>
+            <a:spLocks noGrp="1" noRot="1" noChangeAspect="1"/>
+          </p:cNvSpPr>
+          <p:nvPr>
+            <p:ph type="sldImg"/>
+          </p:nvPr>
+        </p:nvSpPr>
+        <p:spPr/>
+      </p:sp>
+      <p:sp>
+        <p:nvSpPr>
+          <p:cNvPr id="3" name="Notes Placeholder 2"/>
+          <p:cNvSpPr>
+            <a:spLocks noGrp="1"/>
+          </p:cNvSpPr>
+          <p:nvPr>
+            <p:ph type="body" idx="1"/>
+          </p:nvPr>
+        </p:nvSpPr>
+        <p:spPr/>
+        <p:txBody>
+          <a:bodyPr/>
+          <a:lstStyle/>
+          <a:p>
+            <a:endParaRPr lang="en-US"/>
+          </a:p>
+        </p:txBody>
+      </p:sp>
+      <p:sp>
+        <p:nvSpPr>
+          <p:cNvPr id="4" name="Header Placeholder 3"/>
+          <p:cNvSpPr>
+            <a:spLocks noGrp="1"/>
+          </p:cNvSpPr>
+          <p:nvPr>
+            <p:ph type="hdr" sz="quarter" idx="10"/>
+          </p:nvPr>
+        </p:nvSpPr>
+        <p:spPr/>
+        <p:txBody>
+          <a:bodyPr/>
+          <a:lstStyle/>
+          <a:p>
+            <a:pPr marL="0" marR="0" lvl="0" indent="0" algn="l" defTabSz="932742" rtl="0" eaLnBrk="1" fontAlgn="auto" latinLnBrk="0" hangingPunct="1">
+              <a:lnSpc>
+                <a:spcPct val="100000"/>
+              </a:lnSpc>
+              <a:spcBef>
+                <a:spcPts val="0"/>
+              </a:spcBef>
+              <a:spcAft>
+                <a:spcPts val="0"/>
+              </a:spcAft>
+              <a:buClrTx/>
+              <a:buSzTx/>
+              <a:buFontTx/>
+              <a:buNone/>
+              <a:tabLst/>
+              <a:defRPr/>
+            </a:pPr>
+            <a:endParaRPr kumimoji="0" lang="en-US" sz="1200" b="0" i="0" u="none" strike="noStrike" kern="1200" cap="none" spc="0" normalizeH="0" baseline="0" noProof="0" dirty="0">
+              <a:ln>
+                <a:noFill/>
+              </a:ln>
+              <a:solidFill>
+                <a:prstClr val="black"/>
+              </a:solidFill>
+              <a:effectLst/>
+              <a:uLnTx/>
+              <a:uFillTx/>
+              <a:latin typeface="Segoe UI" pitchFamily="34" charset="0"/>
+              <a:ea typeface="+mn-ea"/>
+              <a:cs typeface="+mn-cs"/>
+            </a:endParaRPr>
+          </a:p>
+        </p:txBody>
+      </p:sp>
+      <p:sp>
+        <p:nvSpPr>
+          <p:cNvPr id="5" name="Footer Placeholder 4"/>
+          <p:cNvSpPr>
+            <a:spLocks noGrp="1"/>
+          </p:cNvSpPr>
+          <p:nvPr>
+            <p:ph type="ftr" sz="quarter" idx="11"/>
+          </p:nvPr>
+        </p:nvSpPr>
+        <p:spPr/>
+        <p:txBody>
+          <a:bodyPr/>
+          <a:lstStyle/>
+          <a:p>
+            <a:pPr marL="571500" marR="0" lvl="0" indent="0" algn="l" defTabSz="914099" rtl="0" eaLnBrk="0" fontAlgn="auto" latinLnBrk="0" hangingPunct="0">
+              <a:lnSpc>
+                <a:spcPct val="100000"/>
+              </a:lnSpc>
+              <a:spcBef>
+                <a:spcPts val="0"/>
+              </a:spcBef>
+              <a:spcAft>
+                <a:spcPts val="0"/>
+              </a:spcAft>
+              <a:buClrTx/>
+              <a:buSzTx/>
+              <a:buFontTx/>
+              <a:buNone/>
+              <a:tabLst/>
+              <a:defRPr/>
+            </a:pPr>
+            <a:r>
+              <a:rPr kumimoji="0" lang="en-US" sz="400" b="0" i="0" u="none" strike="noStrike" kern="1200" cap="none" spc="0" normalizeH="0" baseline="0" noProof="0">
+                <a:ln>
+                  <a:noFill/>
+                </a:ln>
+                <a:gradFill>
+                  <a:gsLst>
+                    <a:gs pos="0">
+                      <a:prstClr val="black"/>
+                    </a:gs>
+                    <a:gs pos="100000">
+                      <a:prstClr val="black"/>
+                    </a:gs>
+                  </a:gsLst>
+                  <a:lin ang="5400000" scaled="0"/>
+                </a:gradFill>
+                <a:effectLst/>
+                <a:uLnTx/>
+                <a:uFillTx/>
+                <a:latin typeface="Segoe UI" pitchFamily="34" charset="0"/>
+                <a:ea typeface="Segoe UI" pitchFamily="34" charset="0"/>
+                <a:cs typeface="Segoe UI" pitchFamily="34" charset="0"/>
+              </a:rPr>
+              <a:t>© Microsoft Corporation. All rights reserved. MICROSOFT MAKES NO WARRANTIES, EXPRESS, IMPLIED OR STATUTORY, AS TO THE INFORMATION IN THIS PRESENTATION.</a:t>
+            </a:r>
+            <a:endParaRPr kumimoji="0" lang="en-US" sz="400" b="0" i="0" u="none" strike="noStrike" kern="1200" cap="none" spc="0" normalizeH="0" baseline="0" noProof="0" dirty="0">
+              <a:ln>
+                <a:noFill/>
+              </a:ln>
+              <a:gradFill>
+                <a:gsLst>
+                  <a:gs pos="0">
+                    <a:prstClr val="black"/>
+                  </a:gs>
+                  <a:gs pos="100000">
+                    <a:prstClr val="black"/>
+                  </a:gs>
+                </a:gsLst>
+                <a:lin ang="5400000" scaled="0"/>
+              </a:gradFill>
+              <a:effectLst/>
+              <a:uLnTx/>
+              <a:uFillTx/>
+              <a:latin typeface="Segoe UI" pitchFamily="34" charset="0"/>
+              <a:ea typeface="Segoe UI" pitchFamily="34" charset="0"/>
+              <a:cs typeface="Segoe UI" pitchFamily="34" charset="0"/>
+            </a:endParaRPr>
+          </a:p>
+        </p:txBody>
+      </p:sp>
+      <p:sp>
+        <p:nvSpPr>
+          <p:cNvPr id="6" name="Date Placeholder 5"/>
+          <p:cNvSpPr>
+            <a:spLocks noGrp="1"/>
+          </p:cNvSpPr>
+          <p:nvPr>
+            <p:ph type="dt" idx="12"/>
+          </p:nvPr>
+        </p:nvSpPr>
+        <p:spPr/>
+        <p:txBody>
+          <a:bodyPr/>
+          <a:lstStyle/>
+          <a:p>
+            <a:pPr marL="0" marR="0" lvl="0" indent="0" algn="r" defTabSz="932742" rtl="0" eaLnBrk="1" fontAlgn="auto" latinLnBrk="0" hangingPunct="1">
+              <a:lnSpc>
+                <a:spcPct val="100000"/>
+              </a:lnSpc>
+              <a:spcBef>
+                <a:spcPts val="0"/>
+              </a:spcBef>
+              <a:spcAft>
+                <a:spcPts val="0"/>
+              </a:spcAft>
+              <a:buClrTx/>
+              <a:buSzTx/>
+              <a:buFontTx/>
+              <a:buNone/>
+              <a:tabLst/>
+              <a:defRPr/>
+            </a:pPr>
+            <a:fld id="{D18B56EA-E28F-4F92-9F16-7A6F2501B303}" type="datetime8">
+              <a:rPr kumimoji="0" lang="en-US" sz="1200" b="0" i="0" u="none" strike="noStrike" kern="1200" cap="none" spc="0" normalizeH="0" baseline="0" noProof="0" smtClean="0">
+                <a:ln>
+                  <a:noFill/>
+                </a:ln>
+                <a:solidFill>
+                  <a:prstClr val="black"/>
+                </a:solidFill>
+                <a:effectLst/>
+                <a:uLnTx/>
+                <a:uFillTx/>
+                <a:latin typeface="Segoe UI" pitchFamily="34" charset="0"/>
+                <a:ea typeface="+mn-ea"/>
+                <a:cs typeface="+mn-cs"/>
+              </a:rPr>
+              <a:pPr marL="0" marR="0" lvl="0" indent="0" algn="r" defTabSz="932742" rtl="0" eaLnBrk="1" fontAlgn="auto" latinLnBrk="0" hangingPunct="1">
+                <a:lnSpc>
+                  <a:spcPct val="100000"/>
+                </a:lnSpc>
+                <a:spcBef>
+                  <a:spcPts val="0"/>
+                </a:spcBef>
+                <a:spcAft>
+                  <a:spcPts val="0"/>
+                </a:spcAft>
+                <a:buClrTx/>
+                <a:buSzTx/>
+                <a:buFontTx/>
+                <a:buNone/>
+                <a:tabLst/>
+                <a:defRPr/>
+              </a:pPr>
+              <a:t>12/7/2017 12:26 AM</a:t>
+            </a:fld>
+            <a:endParaRPr kumimoji="0" lang="en-US" sz="1200" b="0" i="0" u="none" strike="noStrike" kern="1200" cap="none" spc="0" normalizeH="0" baseline="0" noProof="0" dirty="0">
+              <a:ln>
+                <a:noFill/>
+              </a:ln>
+              <a:solidFill>
+                <a:prstClr val="black"/>
+              </a:solidFill>
+              <a:effectLst/>
+              <a:uLnTx/>
+              <a:uFillTx/>
+              <a:latin typeface="Segoe UI" pitchFamily="34" charset="0"/>
+              <a:ea typeface="+mn-ea"/>
+              <a:cs typeface="+mn-cs"/>
+            </a:endParaRPr>
+          </a:p>
+        </p:txBody>
+      </p:sp>
+      <p:sp>
+        <p:nvSpPr>
+          <p:cNvPr id="7" name="Slide Number Placeholder 6"/>
+          <p:cNvSpPr>
+            <a:spLocks noGrp="1"/>
+          </p:cNvSpPr>
+          <p:nvPr>
+            <p:ph type="sldNum" sz="quarter" idx="13"/>
+          </p:nvPr>
+        </p:nvSpPr>
+        <p:spPr/>
+        <p:txBody>
+          <a:bodyPr/>
+          <a:lstStyle/>
+          <a:p>
+            <a:pPr marL="0" marR="0" lvl="0" indent="0" algn="r" defTabSz="932742" rtl="0" eaLnBrk="1" fontAlgn="auto" latinLnBrk="0" hangingPunct="1">
+              <a:lnSpc>
+                <a:spcPct val="100000"/>
+              </a:lnSpc>
+              <a:spcBef>
+                <a:spcPts val="0"/>
+              </a:spcBef>
+              <a:spcAft>
+                <a:spcPts val="0"/>
+              </a:spcAft>
+              <a:buClrTx/>
+              <a:buSzTx/>
+              <a:buFontTx/>
+              <a:buNone/>
+              <a:tabLst/>
+              <a:defRPr/>
+            </a:pPr>
+            <a:fld id="{B4008EB6-D09E-4580-8CD6-DDB14511944F}" type="slidenum">
+              <a:rPr kumimoji="0" lang="en-US" sz="1200" b="0" i="0" u="none" strike="noStrike" kern="1200" cap="none" spc="0" normalizeH="0" baseline="0" noProof="0" smtClean="0">
+                <a:ln>
+                  <a:noFill/>
+                </a:ln>
+                <a:solidFill>
+                  <a:prstClr val="black"/>
+                </a:solidFill>
+                <a:effectLst/>
+                <a:uLnTx/>
+                <a:uFillTx/>
+                <a:latin typeface="Segoe UI" pitchFamily="34" charset="0"/>
+                <a:ea typeface="+mn-ea"/>
+                <a:cs typeface="+mn-cs"/>
+              </a:rPr>
+              <a:pPr marL="0" marR="0" lvl="0" indent="0" algn="r" defTabSz="932742" rtl="0" eaLnBrk="1" fontAlgn="auto" latinLnBrk="0" hangingPunct="1">
+                <a:lnSpc>
+                  <a:spcPct val="100000"/>
+                </a:lnSpc>
+                <a:spcBef>
+                  <a:spcPts val="0"/>
+                </a:spcBef>
+                <a:spcAft>
+                  <a:spcPts val="0"/>
+                </a:spcAft>
+                <a:buClrTx/>
+                <a:buSzTx/>
+                <a:buFontTx/>
+                <a:buNone/>
+                <a:tabLst/>
+                <a:defRPr/>
+              </a:pPr>
+              <a:t>18</a:t>
             </a:fld>
             <a:endParaRPr kumimoji="0" lang="en-US" sz="1200" b="0" i="0" u="none" strike="noStrike" kern="1200" cap="none" spc="0" normalizeH="0" baseline="0" noProof="0" dirty="0">
               <a:ln>
@@ -2474,150 +2475,6 @@
           </p:nvPr>
         </p:nvSpPr>
         <p:spPr/>
-      </p:sp>
-      <p:sp>
-        <p:nvSpPr>
-          <p:cNvPr id="4" name="Slide Number Placeholder 3"/>
-          <p:cNvSpPr>
-            <a:spLocks noGrp="1"/>
-          </p:cNvSpPr>
-          <p:nvPr>
-            <p:ph type="sldNum" sz="quarter" idx="10"/>
-          </p:nvPr>
-        </p:nvSpPr>
-        <p:spPr/>
-        <p:txBody>
-          <a:bodyPr/>
-          <a:lstStyle/>
-          <a:p>
-            <a:pPr marL="0" marR="0" lvl="0" indent="0" algn="r" defTabSz="914400" rtl="0" eaLnBrk="1" fontAlgn="auto" latinLnBrk="0" hangingPunct="1">
-              <a:lnSpc>
-                <a:spcPct val="100000"/>
-              </a:lnSpc>
-              <a:spcBef>
-                <a:spcPts val="0"/>
-              </a:spcBef>
-              <a:spcAft>
-                <a:spcPts val="0"/>
-              </a:spcAft>
-              <a:buClrTx/>
-              <a:buSzTx/>
-              <a:buFontTx/>
-              <a:buNone/>
-              <a:tabLst/>
-              <a:defRPr/>
-            </a:pPr>
-            <a:fld id="{8B263312-38AA-4E1E-B2B5-0F8F122B24FE}" type="slidenum">
-              <a:rPr kumimoji="0" lang="en-US" sz="1800" b="0" i="0" u="none" strike="noStrike" kern="0" cap="none" spc="0" normalizeH="0" baseline="0" noProof="0" smtClean="0">
-                <a:ln>
-                  <a:noFill/>
-                </a:ln>
-                <a:solidFill>
-                  <a:sysClr val="windowText" lastClr="000000"/>
-                </a:solidFill>
-                <a:effectLst/>
-                <a:uLnTx/>
-                <a:uFillTx/>
-                <a:latin typeface="Calibri" panose="020F0502020204030204"/>
-                <a:ea typeface="+mn-ea"/>
-                <a:cs typeface="+mn-cs"/>
-              </a:rPr>
-              <a:pPr marL="0" marR="0" lvl="0" indent="0" algn="r" defTabSz="914400" rtl="0" eaLnBrk="1" fontAlgn="auto" latinLnBrk="0" hangingPunct="1">
-                <a:lnSpc>
-                  <a:spcPct val="100000"/>
-                </a:lnSpc>
-                <a:spcBef>
-                  <a:spcPts val="0"/>
-                </a:spcBef>
-                <a:spcAft>
-                  <a:spcPts val="0"/>
-                </a:spcAft>
-                <a:buClrTx/>
-                <a:buSzTx/>
-                <a:buFontTx/>
-                <a:buNone/>
-                <a:tabLst/>
-                <a:defRPr/>
-              </a:pPr>
-              <a:t>18</a:t>
-            </a:fld>
-            <a:endParaRPr kumimoji="0" lang="en-US" sz="1800" b="0" i="0" u="none" strike="noStrike" kern="0" cap="none" spc="0" normalizeH="0" baseline="0" noProof="0" dirty="0">
-              <a:ln>
-                <a:noFill/>
-              </a:ln>
-              <a:solidFill>
-                <a:sysClr val="windowText" lastClr="000000"/>
-              </a:solidFill>
-              <a:effectLst/>
-              <a:uLnTx/>
-              <a:uFillTx/>
-              <a:latin typeface="Calibri" panose="020F0502020204030204"/>
-              <a:ea typeface="+mn-ea"/>
-              <a:cs typeface="+mn-cs"/>
-            </a:endParaRPr>
-          </a:p>
-        </p:txBody>
-      </p:sp>
-    </p:spTree>
-    <p:extLst>
-      <p:ext uri="{BB962C8B-B14F-4D97-AF65-F5344CB8AC3E}">
-        <p14:creationId xmlns:p14="http://schemas.microsoft.com/office/powerpoint/2010/main" val="1246014752"/>
-      </p:ext>
-    </p:extLst>
-  </p:cSld>
-  <p:clrMapOvr>
-    <a:masterClrMapping/>
-  </p:clrMapOvr>
-</p:notes>
-</file>
-
-<file path=ppt/notesSlides/notesSlide19.xml><?xml version="1.0" encoding="utf-8"?>
-<p:notes xmlns:a="http://schemas.openxmlformats.org/drawingml/2006/main" xmlns:r="http://schemas.openxmlformats.org/officeDocument/2006/relationships" xmlns:p="http://schemas.openxmlformats.org/presentationml/2006/main">
-  <p:cSld>
-    <p:spTree>
-      <p:nvGrpSpPr>
-        <p:cNvPr id="1" name=""/>
-        <p:cNvGrpSpPr/>
-        <p:nvPr/>
-      </p:nvGrpSpPr>
-      <p:grpSpPr>
-        <a:xfrm>
-          <a:off x="0" y="0"/>
-          <a:ext cx="0" cy="0"/>
-          <a:chOff x="0" y="0"/>
-          <a:chExt cx="0" cy="0"/>
-        </a:xfrm>
-      </p:grpSpPr>
-      <p:sp>
-        <p:nvSpPr>
-          <p:cNvPr id="2" name="Slide Image Placeholder 1"/>
-          <p:cNvSpPr>
-            <a:spLocks noGrp="1" noRot="1" noChangeAspect="1"/>
-          </p:cNvSpPr>
-          <p:nvPr>
-            <p:ph type="sldImg"/>
-          </p:nvPr>
-        </p:nvSpPr>
-        <p:spPr/>
-      </p:sp>
-      <p:sp>
-        <p:nvSpPr>
-          <p:cNvPr id="3" name="Notes Placeholder 2"/>
-          <p:cNvSpPr>
-            <a:spLocks noGrp="1"/>
-          </p:cNvSpPr>
-          <p:nvPr>
-            <p:ph type="body" idx="1"/>
-          </p:nvPr>
-        </p:nvSpPr>
-        <p:spPr/>
-        <p:txBody>
-          <a:bodyPr/>
-          <a:lstStyle/>
-          <a:p>
-            <a:endParaRPr lang="en-US" dirty="0"/>
-          </a:p>
-        </p:txBody>
       </p:sp>
       <p:sp>
         <p:nvSpPr>
@@ -2705,6 +2562,150 @@
     </p:spTree>
     <p:extLst>
       <p:ext uri="{BB962C8B-B14F-4D97-AF65-F5344CB8AC3E}">
+        <p14:creationId xmlns:p14="http://schemas.microsoft.com/office/powerpoint/2010/main" val="1246014752"/>
+      </p:ext>
+    </p:extLst>
+  </p:cSld>
+  <p:clrMapOvr>
+    <a:masterClrMapping/>
+  </p:clrMapOvr>
+</p:notes>
+</file>
+
+<file path=ppt/notesSlides/notesSlide19.xml><?xml version="1.0" encoding="utf-8"?>
+<p:notes xmlns:a="http://schemas.openxmlformats.org/drawingml/2006/main" xmlns:r="http://schemas.openxmlformats.org/officeDocument/2006/relationships" xmlns:p="http://schemas.openxmlformats.org/presentationml/2006/main">
+  <p:cSld>
+    <p:spTree>
+      <p:nvGrpSpPr>
+        <p:cNvPr id="1" name=""/>
+        <p:cNvGrpSpPr/>
+        <p:nvPr/>
+      </p:nvGrpSpPr>
+      <p:grpSpPr>
+        <a:xfrm>
+          <a:off x="0" y="0"/>
+          <a:ext cx="0" cy="0"/>
+          <a:chOff x="0" y="0"/>
+          <a:chExt cx="0" cy="0"/>
+        </a:xfrm>
+      </p:grpSpPr>
+      <p:sp>
+        <p:nvSpPr>
+          <p:cNvPr id="2" name="Slide Image Placeholder 1"/>
+          <p:cNvSpPr>
+            <a:spLocks noGrp="1" noRot="1" noChangeAspect="1"/>
+          </p:cNvSpPr>
+          <p:nvPr>
+            <p:ph type="sldImg"/>
+          </p:nvPr>
+        </p:nvSpPr>
+        <p:spPr/>
+      </p:sp>
+      <p:sp>
+        <p:nvSpPr>
+          <p:cNvPr id="3" name="Notes Placeholder 2"/>
+          <p:cNvSpPr>
+            <a:spLocks noGrp="1"/>
+          </p:cNvSpPr>
+          <p:nvPr>
+            <p:ph type="body" idx="1"/>
+          </p:nvPr>
+        </p:nvSpPr>
+        <p:spPr/>
+        <p:txBody>
+          <a:bodyPr/>
+          <a:lstStyle/>
+          <a:p>
+            <a:endParaRPr lang="en-US" dirty="0"/>
+          </a:p>
+        </p:txBody>
+      </p:sp>
+      <p:sp>
+        <p:nvSpPr>
+          <p:cNvPr id="4" name="Slide Number Placeholder 3"/>
+          <p:cNvSpPr>
+            <a:spLocks noGrp="1"/>
+          </p:cNvSpPr>
+          <p:nvPr>
+            <p:ph type="sldNum" sz="quarter" idx="10"/>
+          </p:nvPr>
+        </p:nvSpPr>
+        <p:spPr/>
+        <p:txBody>
+          <a:bodyPr/>
+          <a:lstStyle/>
+          <a:p>
+            <a:pPr marL="0" marR="0" lvl="0" indent="0" algn="r" defTabSz="914400" rtl="0" eaLnBrk="1" fontAlgn="auto" latinLnBrk="0" hangingPunct="1">
+              <a:lnSpc>
+                <a:spcPct val="100000"/>
+              </a:lnSpc>
+              <a:spcBef>
+                <a:spcPts val="0"/>
+              </a:spcBef>
+              <a:spcAft>
+                <a:spcPts val="0"/>
+              </a:spcAft>
+              <a:buClrTx/>
+              <a:buSzTx/>
+              <a:buFontTx/>
+              <a:buNone/>
+              <a:tabLst/>
+              <a:defRPr/>
+            </a:pPr>
+            <a:fld id="{8B263312-38AA-4E1E-B2B5-0F8F122B24FE}" type="slidenum">
+              <a:rPr kumimoji="0" lang="en-US" sz="1800" b="0" i="0" u="none" strike="noStrike" kern="0" cap="none" spc="0" normalizeH="0" baseline="0" noProof="0" smtClean="0">
+                <a:ln>
+                  <a:noFill/>
+                </a:ln>
+                <a:solidFill>
+                  <a:sysClr val="windowText" lastClr="000000"/>
+                </a:solidFill>
+                <a:effectLst/>
+                <a:uLnTx/>
+                <a:uFillTx/>
+                <a:latin typeface="Calibri" panose="020F0502020204030204"/>
+                <a:ea typeface="+mn-ea"/>
+                <a:cs typeface="+mn-cs"/>
+              </a:rPr>
+              <a:pPr marL="0" marR="0" lvl="0" indent="0" algn="r" defTabSz="914400" rtl="0" eaLnBrk="1" fontAlgn="auto" latinLnBrk="0" hangingPunct="1">
+                <a:lnSpc>
+                  <a:spcPct val="100000"/>
+                </a:lnSpc>
+                <a:spcBef>
+                  <a:spcPts val="0"/>
+                </a:spcBef>
+                <a:spcAft>
+                  <a:spcPts val="0"/>
+                </a:spcAft>
+                <a:buClrTx/>
+                <a:buSzTx/>
+                <a:buFontTx/>
+                <a:buNone/>
+                <a:tabLst/>
+                <a:defRPr/>
+              </a:pPr>
+              <a:t>20</a:t>
+            </a:fld>
+            <a:endParaRPr kumimoji="0" lang="en-US" sz="1800" b="0" i="0" u="none" strike="noStrike" kern="0" cap="none" spc="0" normalizeH="0" baseline="0" noProof="0" dirty="0">
+              <a:ln>
+                <a:noFill/>
+              </a:ln>
+              <a:solidFill>
+                <a:sysClr val="windowText" lastClr="000000"/>
+              </a:solidFill>
+              <a:effectLst/>
+              <a:uLnTx/>
+              <a:uFillTx/>
+              <a:latin typeface="Calibri" panose="020F0502020204030204"/>
+              <a:ea typeface="+mn-ea"/>
+              <a:cs typeface="+mn-cs"/>
+            </a:endParaRPr>
+          </a:p>
+        </p:txBody>
+      </p:sp>
+    </p:spTree>
+    <p:extLst>
+      <p:ext uri="{BB962C8B-B14F-4D97-AF65-F5344CB8AC3E}">
         <p14:creationId xmlns:p14="http://schemas.microsoft.com/office/powerpoint/2010/main" val="2015942379"/>
       </p:ext>
     </p:extLst>
@@ -2971,7 +2972,7 @@
                 <a:tabLst/>
                 <a:defRPr/>
               </a:pPr>
-              <a:t>20</a:t>
+              <a:t>21</a:t>
             </a:fld>
             <a:endParaRPr kumimoji="0" lang="en-US" sz="1800" b="0" i="0" u="none" strike="noStrike" kern="0" cap="none" spc="0" normalizeH="0" baseline="0" noProof="0" dirty="0">
               <a:ln>
@@ -3838,7 +3839,7 @@
                 <a:tabLst/>
                 <a:defRPr/>
               </a:pPr>
-              <a:t>8</a:t>
+              <a:t>9</a:t>
             </a:fld>
             <a:endParaRPr kumimoji="0" lang="en-US" sz="1200" b="0" i="0" u="none" strike="noStrike" kern="1200" cap="none" spc="0" normalizeH="0" baseline="0" noProof="0">
               <a:ln>
@@ -3997,7 +3998,7 @@
                 <a:tabLst/>
                 <a:defRPr/>
               </a:pPr>
-              <a:t>12/6/2017</a:t>
+              <a:t>12/7/2017</a:t>
             </a:fld>
             <a:endParaRPr kumimoji="0" lang="en-US" sz="1200" b="0" i="0" u="none" strike="noStrike" kern="1200" cap="none" spc="0" normalizeH="0" baseline="0" noProof="0" dirty="0">
               <a:ln>
@@ -4080,7 +4081,7 @@
                 <a:tabLst/>
                 <a:defRPr/>
               </a:pPr>
-              <a:t>9</a:t>
+              <a:t>10</a:t>
             </a:fld>
             <a:endParaRPr kumimoji="0" lang="en-US" sz="1200" b="0" i="0" u="none" strike="noStrike" kern="1200" cap="none" spc="0" normalizeH="0" baseline="0" noProof="0" dirty="0">
               <a:ln>
@@ -8410,7 +8411,7 @@
           <a:p>
             <a:fld id="{C093B9F9-3668-4248-BC3B-A7F41B8EEB64}" type="datetimeFigureOut">
               <a:rPr lang="en-US" smtClean="0"/>
-              <a:t>12/6/2017</a:t>
+              <a:t>12/7/2017</a:t>
             </a:fld>
             <a:endParaRPr lang="en-US"/>
           </a:p>
@@ -8578,7 +8579,7 @@
           <a:p>
             <a:fld id="{C093B9F9-3668-4248-BC3B-A7F41B8EEB64}" type="datetimeFigureOut">
               <a:rPr lang="en-US" smtClean="0"/>
-              <a:t>12/6/2017</a:t>
+              <a:t>12/7/2017</a:t>
             </a:fld>
             <a:endParaRPr lang="en-US"/>
           </a:p>
@@ -8823,7 +8824,7 @@
           <a:p>
             <a:fld id="{C093B9F9-3668-4248-BC3B-A7F41B8EEB64}" type="datetimeFigureOut">
               <a:rPr lang="en-US" smtClean="0"/>
-              <a:t>12/6/2017</a:t>
+              <a:t>12/7/2017</a:t>
             </a:fld>
             <a:endParaRPr lang="en-US"/>
           </a:p>
@@ -9052,7 +9053,7 @@
           <a:p>
             <a:fld id="{C093B9F9-3668-4248-BC3B-A7F41B8EEB64}" type="datetimeFigureOut">
               <a:rPr lang="en-US" smtClean="0"/>
-              <a:t>12/6/2017</a:t>
+              <a:t>12/7/2017</a:t>
             </a:fld>
             <a:endParaRPr lang="en-US"/>
           </a:p>
@@ -9416,7 +9417,7 @@
           <a:p>
             <a:fld id="{C093B9F9-3668-4248-BC3B-A7F41B8EEB64}" type="datetimeFigureOut">
               <a:rPr lang="en-US" smtClean="0"/>
-              <a:t>12/6/2017</a:t>
+              <a:t>12/7/2017</a:t>
             </a:fld>
             <a:endParaRPr lang="en-US"/>
           </a:p>
@@ -9533,7 +9534,7 @@
           <a:p>
             <a:fld id="{C093B9F9-3668-4248-BC3B-A7F41B8EEB64}" type="datetimeFigureOut">
               <a:rPr lang="en-US" smtClean="0"/>
-              <a:t>12/6/2017</a:t>
+              <a:t>12/7/2017</a:t>
             </a:fld>
             <a:endParaRPr lang="en-US"/>
           </a:p>
@@ -9628,7 +9629,7 @@
           <a:p>
             <a:fld id="{C093B9F9-3668-4248-BC3B-A7F41B8EEB64}" type="datetimeFigureOut">
               <a:rPr lang="en-US" smtClean="0"/>
-              <a:t>12/6/2017</a:t>
+              <a:t>12/7/2017</a:t>
             </a:fld>
             <a:endParaRPr lang="en-US"/>
           </a:p>
@@ -9903,7 +9904,7 @@
           <a:p>
             <a:fld id="{C093B9F9-3668-4248-BC3B-A7F41B8EEB64}" type="datetimeFigureOut">
               <a:rPr lang="en-US" smtClean="0"/>
-              <a:t>12/6/2017</a:t>
+              <a:t>12/7/2017</a:t>
             </a:fld>
             <a:endParaRPr lang="en-US"/>
           </a:p>
@@ -10155,7 +10156,7 @@
           <a:p>
             <a:fld id="{C093B9F9-3668-4248-BC3B-A7F41B8EEB64}" type="datetimeFigureOut">
               <a:rPr lang="en-US" smtClean="0"/>
-              <a:t>12/6/2017</a:t>
+              <a:t>12/7/2017</a:t>
             </a:fld>
             <a:endParaRPr lang="en-US"/>
           </a:p>
@@ -10323,7 +10324,7 @@
           <a:p>
             <a:fld id="{C093B9F9-3668-4248-BC3B-A7F41B8EEB64}" type="datetimeFigureOut">
               <a:rPr lang="en-US" smtClean="0"/>
-              <a:t>12/6/2017</a:t>
+              <a:t>12/7/2017</a:t>
             </a:fld>
             <a:endParaRPr lang="en-US"/>
           </a:p>
@@ -11057,7 +11058,7 @@
           <a:p>
             <a:fld id="{C093B9F9-3668-4248-BC3B-A7F41B8EEB64}" type="datetimeFigureOut">
               <a:rPr lang="en-US" smtClean="0"/>
-              <a:t>12/6/2017</a:t>
+              <a:t>12/7/2017</a:t>
             </a:fld>
             <a:endParaRPr lang="en-US"/>
           </a:p>
@@ -16187,7 +16188,7 @@
           <a:p>
             <a:fld id="{C093B9F9-3668-4248-BC3B-A7F41B8EEB64}" type="datetimeFigureOut">
               <a:rPr lang="en-US" smtClean="0"/>
-              <a:t>12/6/2017</a:t>
+              <a:t>12/7/2017</a:t>
             </a:fld>
             <a:endParaRPr lang="en-US"/>
           </a:p>
@@ -16776,7 +16777,7 @@
                 <a:tabLst/>
                 <a:defRPr/>
               </a:pPr>
-              <a:t>12/6/2017</a:t>
+              <a:t>12/7/2017</a:t>
             </a:fld>
             <a:endParaRPr kumimoji="0" lang="en-US" sz="1200" b="0" i="0" u="none" strike="noStrike" kern="1200" cap="none" spc="0" normalizeH="0" baseline="0" noProof="0" dirty="0">
               <a:ln>
@@ -17689,7 +17690,7 @@
 </file>
 
 <file path=ppt/slides/slide10.xml><?xml version="1.0" encoding="utf-8"?>
-<p:sld xmlns:a="http://schemas.openxmlformats.org/drawingml/2006/main" xmlns:r="http://schemas.openxmlformats.org/officeDocument/2006/relationships" xmlns:p="http://schemas.openxmlformats.org/presentationml/2006/main">
+<p:sld xmlns:a="http://schemas.openxmlformats.org/drawingml/2006/main" xmlns:r="http://schemas.openxmlformats.org/officeDocument/2006/relationships" xmlns:p="http://schemas.openxmlformats.org/presentationml/2006/main" show="0">
   <p:cSld>
     <p:spTree>
       <p:nvGrpSpPr>
@@ -17707,7 +17708,7 @@
       </p:grpSpPr>
       <p:sp>
         <p:nvSpPr>
-          <p:cNvPr id="2" name="Title 1"/>
+          <p:cNvPr id="3" name="Title 2"/>
           <p:cNvSpPr>
             <a:spLocks noGrp="1"/>
           </p:cNvSpPr>
@@ -17717,103 +17718,84 @@
         </p:nvSpPr>
         <p:spPr/>
         <p:txBody>
-          <a:bodyPr/>
+          <a:bodyPr>
+            <a:normAutofit fontScale="90000"/>
+          </a:bodyPr>
           <a:lstStyle/>
           <a:p>
             <a:r>
               <a:rPr lang="en-US" dirty="0"/>
-              <a:t>Important  Technology Cert program</a:t>
-            </a:r>
-          </a:p>
-        </p:txBody>
-      </p:sp>
-      <p:sp>
-        <p:nvSpPr>
-          <p:cNvPr id="3" name="Text Placeholder 2"/>
+              <a:t>Questions Post Event…</a:t>
+            </a:r>
+          </a:p>
+        </p:txBody>
+      </p:sp>
+      <p:sp>
+        <p:nvSpPr>
+          <p:cNvPr id="2" name="Text Placeholder 1"/>
           <p:cNvSpPr>
             <a:spLocks noGrp="1"/>
           </p:cNvSpPr>
           <p:nvPr>
-            <p:ph type="body" sz="quarter" idx="10"/>
+            <p:ph type="body" sz="quarter" idx="11"/>
           </p:nvPr>
         </p:nvSpPr>
-        <p:spPr>
-          <a:xfrm>
-            <a:off x="269303" y="1187963"/>
-            <a:ext cx="11655078" cy="4568136"/>
-          </a:xfrm>
-        </p:spPr>
-        <p:txBody>
-          <a:bodyPr/>
+        <p:spPr/>
+        <p:txBody>
+          <a:bodyPr>
+            <a:noAutofit/>
+          </a:bodyPr>
           <a:lstStyle/>
           <a:p>
-            <a:r>
-              <a:rPr lang="en-US" dirty="0"/>
-              <a:t>Cloud focused</a:t>
-            </a:r>
-          </a:p>
-          <a:p>
-            <a:pPr lvl="1"/>
-            <a:r>
-              <a:rPr lang="en-US" dirty="0"/>
-              <a:t>Many exams focus on cloud-based technologies</a:t>
-            </a:r>
-          </a:p>
-          <a:p>
-            <a:pPr lvl="1"/>
-            <a:r>
-              <a:rPr lang="en-US" dirty="0"/>
-              <a:t>When relevant, hybrid environments are part of solutions</a:t>
-            </a:r>
-          </a:p>
-          <a:p>
-            <a:r>
-              <a:rPr lang="en-US" dirty="0"/>
-              <a:t>Constant Updates</a:t>
-            </a:r>
-          </a:p>
-          <a:p>
-            <a:pPr lvl="1"/>
-            <a:r>
-              <a:rPr lang="en-US" dirty="0"/>
-              <a:t>Exams are continuously updated to reflect changes in the cloud</a:t>
-            </a:r>
-          </a:p>
-          <a:p>
-            <a:pPr lvl="1"/>
-            <a:r>
-              <a:rPr lang="en-US" dirty="0"/>
-              <a:t>Exam are updated every several months</a:t>
-            </a:r>
-          </a:p>
-          <a:p>
-            <a:r>
-              <a:rPr lang="en-US" dirty="0"/>
-              <a:t>New Exam Releases</a:t>
-            </a:r>
-          </a:p>
-          <a:p>
-            <a:pPr lvl="1"/>
-            <a:r>
-              <a:rPr lang="en-US" dirty="0"/>
-              <a:t>Many new exams released in FY17 and FY18, focusing on cloud platforms, data science, and many new product releases. </a:t>
-            </a:r>
+            <a:endParaRPr lang="en-US" sz="5400" dirty="0">
+              <a:solidFill>
+                <a:schemeClr val="tx1"/>
+              </a:solidFill>
+            </a:endParaRPr>
+          </a:p>
+          <a:p>
+            <a:r>
+              <a:rPr lang="en-US" sz="5400" dirty="0">
+                <a:solidFill>
+                  <a:schemeClr val="tx1"/>
+                </a:solidFill>
+              </a:rPr>
+              <a:t>Yammer Group – Microsoft Azure Certification Preparation</a:t>
+            </a:r>
+          </a:p>
+          <a:p>
+            <a:r>
+              <a:rPr lang="en-US" u="sng" dirty="0">
+                <a:hlinkClick r:id="rId3"/>
+              </a:rPr>
+              <a:t>http://aka.ms/AzureExamPrep</a:t>
+            </a:r>
+            <a:endParaRPr lang="en-US" dirty="0"/>
           </a:p>
         </p:txBody>
       </p:sp>
     </p:spTree>
     <p:extLst>
       <p:ext uri="{BB962C8B-B14F-4D97-AF65-F5344CB8AC3E}">
-        <p14:creationId xmlns:p14="http://schemas.microsoft.com/office/powerpoint/2010/main" val="402458940"/>
+        <p14:creationId xmlns:p14="http://schemas.microsoft.com/office/powerpoint/2010/main" val="4154887438"/>
       </p:ext>
     </p:extLst>
   </p:cSld>
   <p:clrMapOvr>
     <a:masterClrMapping/>
   </p:clrMapOvr>
-  <p:transition spd="med">
-    <p:fade/>
-  </p:transition>
+  <mc:AlternateContent xmlns:mc="http://schemas.openxmlformats.org/markup-compatibility/2006" xmlns:p14="http://schemas.microsoft.com/office/powerpoint/2010/main">
+    <mc:Choice Requires="p14">
+      <p:transition spd="med" p14:dur="700">
+        <p:fade/>
+      </p:transition>
+    </mc:Choice>
+    <mc:Fallback xmlns="">
+      <p:transition spd="med">
+        <p:fade/>
+      </p:transition>
+    </mc:Fallback>
+  </mc:AlternateContent>
 </p:sld>
 </file>
 
@@ -17836,7 +17818,7 @@
       </p:grpSpPr>
       <p:sp>
         <p:nvSpPr>
-          <p:cNvPr id="3" name="Title 2"/>
+          <p:cNvPr id="2" name="Title 1"/>
           <p:cNvSpPr>
             <a:spLocks noGrp="1"/>
           </p:cNvSpPr>
@@ -17851,14 +17833,14 @@
           <a:p>
             <a:r>
               <a:rPr lang="en-US" dirty="0"/>
-              <a:t>Exam Basics</a:t>
-            </a:r>
-          </a:p>
-        </p:txBody>
-      </p:sp>
-      <p:sp>
-        <p:nvSpPr>
-          <p:cNvPr id="4" name="Text Placeholder 3"/>
+              <a:t>Important  Technology Cert program</a:t>
+            </a:r>
+          </a:p>
+        </p:txBody>
+      </p:sp>
+      <p:sp>
+        <p:nvSpPr>
+          <p:cNvPr id="3" name="Text Placeholder 2"/>
           <p:cNvSpPr>
             <a:spLocks noGrp="1"/>
           </p:cNvSpPr>
@@ -17869,7 +17851,7 @@
         <p:spPr>
           <a:xfrm>
             <a:off x="269303" y="1187963"/>
-            <a:ext cx="11655078" cy="3527761"/>
+            <a:ext cx="11655078" cy="4568136"/>
           </a:xfrm>
         </p:spPr>
         <p:txBody>
@@ -17878,59 +17860,62 @@
           <a:p>
             <a:r>
               <a:rPr lang="en-US" dirty="0"/>
-              <a:t>40-60 questions</a:t>
-            </a:r>
-          </a:p>
-          <a:p>
+              <a:t>Cloud focused</a:t>
+            </a:r>
+          </a:p>
+          <a:p>
+            <a:pPr lvl="1"/>
             <a:r>
               <a:rPr lang="en-US" dirty="0"/>
-              <a:t>1-3 hours to complete the exam</a:t>
-            </a:r>
-          </a:p>
-          <a:p>
+              <a:t>Many exams focus on cloud-based technologies</a:t>
+            </a:r>
+          </a:p>
+          <a:p>
+            <a:pPr lvl="1"/>
             <a:r>
               <a:rPr lang="en-US" dirty="0"/>
-              <a:t>Can review questions (for most question types)</a:t>
+              <a:t>When relevant, hybrid environments are part of solutions</a:t>
             </a:r>
           </a:p>
           <a:p>
             <a:r>
               <a:rPr lang="en-US" dirty="0"/>
-              <a:t>Can include up to 20 different types of questions</a:t>
-            </a:r>
-          </a:p>
-          <a:p>
+              <a:t>Constant Updates</a:t>
+            </a:r>
+          </a:p>
+          <a:p>
+            <a:pPr lvl="1"/>
             <a:r>
               <a:rPr lang="en-US" dirty="0"/>
-              <a:t>700 is passing</a:t>
+              <a:t>Exams are continuously updated to reflect changes in the cloud</a:t>
             </a:r>
           </a:p>
           <a:p>
             <a:pPr lvl="1"/>
             <a:r>
               <a:rPr lang="en-US" dirty="0"/>
-              <a:t>700 &lt;&gt; 70%</a:t>
-            </a:r>
-            <a:endParaRPr lang="en-US" sz="1372" dirty="0">
-              <a:gradFill>
-                <a:gsLst>
-                  <a:gs pos="1250">
-                    <a:schemeClr val="tx1"/>
-                  </a:gs>
-                  <a:gs pos="99000">
-                    <a:schemeClr val="tx1"/>
-                  </a:gs>
-                </a:gsLst>
-                <a:lin ang="5400000" scaled="0"/>
-              </a:gradFill>
-            </a:endParaRPr>
+              <a:t>Exam are updated every several months</a:t>
+            </a:r>
+          </a:p>
+          <a:p>
+            <a:r>
+              <a:rPr lang="en-US" dirty="0"/>
+              <a:t>New Exam Releases</a:t>
+            </a:r>
+          </a:p>
+          <a:p>
+            <a:pPr lvl="1"/>
+            <a:r>
+              <a:rPr lang="en-US" dirty="0"/>
+              <a:t>Many new exams released in FY17 and FY18, focusing on cloud platforms, data science, and many new product releases. </a:t>
+            </a:r>
           </a:p>
         </p:txBody>
       </p:sp>
     </p:spTree>
     <p:extLst>
       <p:ext uri="{BB962C8B-B14F-4D97-AF65-F5344CB8AC3E}">
-        <p14:creationId xmlns:p14="http://schemas.microsoft.com/office/powerpoint/2010/main" val="879675762"/>
+        <p14:creationId xmlns:p14="http://schemas.microsoft.com/office/powerpoint/2010/main" val="402458940"/>
       </p:ext>
     </p:extLst>
   </p:cSld>
@@ -17962,60 +17947,101 @@
       </p:grpSpPr>
       <p:sp>
         <p:nvSpPr>
-          <p:cNvPr id="2" name="Rectangle 1">
-            <a:extLst>
-              <a:ext uri="{FF2B5EF4-FFF2-40B4-BE49-F238E27FC236}">
-                <a16:creationId xmlns:a16="http://schemas.microsoft.com/office/drawing/2014/main" id="{9A6A8EAC-9342-4E0B-9517-0B427B9ADC56}"/>
-              </a:ext>
-            </a:extLst>
-          </p:cNvPr>
-          <p:cNvSpPr/>
-          <p:nvPr/>
+          <p:cNvPr id="3" name="Title 2"/>
+          <p:cNvSpPr>
+            <a:spLocks noGrp="1"/>
+          </p:cNvSpPr>
+          <p:nvPr>
+            <p:ph type="title"/>
+          </p:nvPr>
+        </p:nvSpPr>
+        <p:spPr/>
+        <p:txBody>
+          <a:bodyPr/>
+          <a:lstStyle/>
+          <a:p>
+            <a:r>
+              <a:rPr lang="en-US" dirty="0"/>
+              <a:t>Exam Basics</a:t>
+            </a:r>
+          </a:p>
+        </p:txBody>
+      </p:sp>
+      <p:sp>
+        <p:nvSpPr>
+          <p:cNvPr id="4" name="Text Placeholder 3"/>
+          <p:cNvSpPr>
+            <a:spLocks noGrp="1"/>
+          </p:cNvSpPr>
+          <p:nvPr>
+            <p:ph type="body" sz="quarter" idx="10"/>
+          </p:nvPr>
         </p:nvSpPr>
         <p:spPr>
           <a:xfrm>
-            <a:off x="235078" y="310776"/>
-            <a:ext cx="10811774" cy="2431435"/>
+            <a:off x="269303" y="1187963"/>
+            <a:ext cx="11655078" cy="3527761"/>
           </a:xfrm>
-          <a:prstGeom prst="rect">
-            <a:avLst/>
-          </a:prstGeom>
         </p:spPr>
         <p:txBody>
-          <a:bodyPr wrap="square">
-            <a:spAutoFit/>
-          </a:bodyPr>
+          <a:bodyPr/>
           <a:lstStyle/>
           <a:p>
-            <a:pPr fontAlgn="base"/>
-            <a:r>
-              <a:rPr lang="en-US" sz="3200" dirty="0">
-                <a:latin typeface="+mj-lt"/>
-              </a:rPr>
-              <a:t>Who should take this exam?</a:t>
-            </a:r>
-          </a:p>
-          <a:p>
-            <a:pPr fontAlgn="base"/>
-            <a:endParaRPr lang="en-US" sz="2400" dirty="0">
-              <a:latin typeface="+mj-lt"/>
+            <a:r>
+              <a:rPr lang="en-US" dirty="0"/>
+              <a:t>40-60 questions</a:t>
+            </a:r>
+          </a:p>
+          <a:p>
+            <a:r>
+              <a:rPr lang="en-US" dirty="0"/>
+              <a:t>1-3 hours to complete the exam</a:t>
+            </a:r>
+          </a:p>
+          <a:p>
+            <a:r>
+              <a:rPr lang="en-US" dirty="0"/>
+              <a:t>Can review questions (for most question types)</a:t>
+            </a:r>
+          </a:p>
+          <a:p>
+            <a:r>
+              <a:rPr lang="en-US" dirty="0"/>
+              <a:t>Can include up to 20 different types of questions</a:t>
+            </a:r>
+          </a:p>
+          <a:p>
+            <a:r>
+              <a:rPr lang="en-US" dirty="0"/>
+              <a:t>700 is passing</a:t>
+            </a:r>
+          </a:p>
+          <a:p>
+            <a:pPr lvl="1"/>
+            <a:r>
+              <a:rPr lang="en-US" dirty="0"/>
+              <a:t>700 &lt;&gt; 70%</a:t>
+            </a:r>
+            <a:endParaRPr lang="en-US" sz="1372" dirty="0">
+              <a:gradFill>
+                <a:gsLst>
+                  <a:gs pos="1250">
+                    <a:schemeClr val="tx1"/>
+                  </a:gs>
+                  <a:gs pos="99000">
+                    <a:schemeClr val="tx1"/>
+                  </a:gs>
+                </a:gsLst>
+                <a:lin ang="5400000" scaled="0"/>
+              </a:gradFill>
             </a:endParaRPr>
-          </a:p>
-          <a:p>
-            <a:pPr fontAlgn="base"/>
-            <a:r>
-              <a:rPr lang="en-US" sz="2400" dirty="0">
-                <a:latin typeface="+mj-lt"/>
-              </a:rPr>
-              <a:t>This certification exam is targeted towards data management professionals, data architects, data scientists, and data developers who design big data analytics solutions on Microsoft Azure. Candidates for this exam will have relevant work experience in big data analytics solutions.</a:t>
-            </a:r>
           </a:p>
         </p:txBody>
       </p:sp>
     </p:spTree>
     <p:extLst>
       <p:ext uri="{BB962C8B-B14F-4D97-AF65-F5344CB8AC3E}">
-        <p14:creationId xmlns:p14="http://schemas.microsoft.com/office/powerpoint/2010/main" val="408787363"/>
+        <p14:creationId xmlns:p14="http://schemas.microsoft.com/office/powerpoint/2010/main" val="879675762"/>
       </p:ext>
     </p:extLst>
   </p:cSld>
@@ -18060,7 +18086,7 @@
         <p:spPr>
           <a:xfrm>
             <a:off x="235078" y="310776"/>
-            <a:ext cx="10811774" cy="4345036"/>
+            <a:ext cx="10811774" cy="2431435"/>
           </a:xfrm>
           <a:prstGeom prst="rect">
             <a:avLst/>
@@ -18072,309 +18098,35 @@
           </a:bodyPr>
           <a:lstStyle/>
           <a:p>
-            <a:pPr>
-              <a:lnSpc>
-                <a:spcPct val="107000"/>
-              </a:lnSpc>
-            </a:pPr>
-            <a:r>
-              <a:rPr lang="en-US" dirty="0">
-                <a:solidFill>
-                  <a:srgbClr val="0000FF"/>
-                </a:solidFill>
-                <a:effectLst/>
+            <a:pPr fontAlgn="base"/>
+            <a:r>
+              <a:rPr lang="en-US" sz="3200" dirty="0">
                 <a:latin typeface="+mj-lt"/>
-                <a:ea typeface="Times New Roman" panose="02020603050405020304" pitchFamily="18" charset="0"/>
-                <a:cs typeface="Times New Roman" panose="02020603050405020304" pitchFamily="18" charset="0"/>
-                <a:hlinkClick r:id="rId3"/>
               </a:rPr>
-              <a:t>Design big data batch processing and interactive solutions (30–35%)</a:t>
-            </a:r>
-            <a:endParaRPr lang="en-US" dirty="0">
-              <a:effectLst/>
+              <a:t>Who should take this exam?</a:t>
+            </a:r>
+          </a:p>
+          <a:p>
+            <a:pPr fontAlgn="base"/>
+            <a:endParaRPr lang="en-US" sz="2400" dirty="0">
               <a:latin typeface="+mj-lt"/>
-              <a:ea typeface="Calibri" panose="020F0502020204030204" pitchFamily="34" charset="0"/>
-              <a:cs typeface="Times New Roman" panose="02020603050405020304" pitchFamily="18" charset="0"/>
             </a:endParaRPr>
           </a:p>
           <a:p>
-            <a:pPr marL="342900" marR="0" lvl="0" indent="-342900">
-              <a:lnSpc>
-                <a:spcPct val="107000"/>
-              </a:lnSpc>
-              <a:spcBef>
-                <a:spcPts val="0"/>
-              </a:spcBef>
-              <a:spcAft>
-                <a:spcPts val="800"/>
-              </a:spcAft>
-              <a:buSzPts val="1000"/>
-              <a:buFont typeface="Symbol" panose="05050102010706020507" pitchFamily="18" charset="2"/>
-              <a:buChar char=""/>
-              <a:tabLst>
-                <a:tab pos="457200" algn="l"/>
-              </a:tabLst>
-            </a:pPr>
-            <a:r>
-              <a:rPr lang="en-US" dirty="0">
-                <a:effectLst/>
+            <a:pPr fontAlgn="base"/>
+            <a:r>
+              <a:rPr lang="en-US" sz="2400" dirty="0">
                 <a:latin typeface="+mj-lt"/>
-                <a:ea typeface="Times New Roman" panose="02020603050405020304" pitchFamily="18" charset="0"/>
-                <a:cs typeface="Times New Roman" panose="02020603050405020304" pitchFamily="18" charset="0"/>
               </a:rPr>
-              <a:t>Ingest data for batch and interactive processing </a:t>
-            </a:r>
-            <a:endParaRPr lang="en-US" dirty="0">
-              <a:effectLst/>
-              <a:latin typeface="+mj-lt"/>
-              <a:ea typeface="Calibri" panose="020F0502020204030204" pitchFamily="34" charset="0"/>
-              <a:cs typeface="Times New Roman" panose="02020603050405020304" pitchFamily="18" charset="0"/>
-            </a:endParaRPr>
-          </a:p>
-          <a:p>
-            <a:pPr marL="742950" marR="0" lvl="1" indent="-285750">
-              <a:lnSpc>
-                <a:spcPct val="107000"/>
-              </a:lnSpc>
-              <a:spcBef>
-                <a:spcPts val="0"/>
-              </a:spcBef>
-              <a:spcAft>
-                <a:spcPts val="800"/>
-              </a:spcAft>
-              <a:buSzPts val="1000"/>
-              <a:buFont typeface="Courier New" panose="02070309020205020404" pitchFamily="49" charset="0"/>
-              <a:buChar char="o"/>
-              <a:tabLst>
-                <a:tab pos="914400" algn="l"/>
-              </a:tabLst>
-            </a:pPr>
-            <a:r>
-              <a:rPr lang="en-US" dirty="0">
-                <a:effectLst/>
-                <a:latin typeface="+mj-lt"/>
-                <a:ea typeface="Times New Roman" panose="02020603050405020304" pitchFamily="18" charset="0"/>
-                <a:cs typeface="Times New Roman" panose="02020603050405020304" pitchFamily="18" charset="0"/>
-              </a:rPr>
-              <a:t>Ingest from cloud-born or on-premises data, store data in Microsoft Azure Data Lake, store data in Azure BLOB Storage, perform a one-time bulk data transfer, perform routine small writes on a continuous basis</a:t>
-            </a:r>
-            <a:endParaRPr lang="en-US" dirty="0">
-              <a:effectLst/>
-              <a:latin typeface="+mj-lt"/>
-              <a:ea typeface="Calibri" panose="020F0502020204030204" pitchFamily="34" charset="0"/>
-              <a:cs typeface="Times New Roman" panose="02020603050405020304" pitchFamily="18" charset="0"/>
-            </a:endParaRPr>
-          </a:p>
-          <a:p>
-            <a:pPr marL="342900" marR="0" lvl="0" indent="-342900">
-              <a:lnSpc>
-                <a:spcPct val="107000"/>
-              </a:lnSpc>
-              <a:spcBef>
-                <a:spcPts val="0"/>
-              </a:spcBef>
-              <a:spcAft>
-                <a:spcPts val="800"/>
-              </a:spcAft>
-              <a:buSzPts val="1000"/>
-              <a:buFont typeface="Symbol" panose="05050102010706020507" pitchFamily="18" charset="2"/>
-              <a:buChar char=""/>
-              <a:tabLst>
-                <a:tab pos="457200" algn="l"/>
-              </a:tabLst>
-            </a:pPr>
-            <a:r>
-              <a:rPr lang="en-US" dirty="0">
-                <a:effectLst/>
-                <a:latin typeface="+mj-lt"/>
-                <a:ea typeface="Times New Roman" panose="02020603050405020304" pitchFamily="18" charset="0"/>
-                <a:cs typeface="Times New Roman" panose="02020603050405020304" pitchFamily="18" charset="0"/>
-              </a:rPr>
-              <a:t>Design and provision compute clusters </a:t>
-            </a:r>
-            <a:endParaRPr lang="en-US" dirty="0">
-              <a:effectLst/>
-              <a:latin typeface="+mj-lt"/>
-              <a:ea typeface="Calibri" panose="020F0502020204030204" pitchFamily="34" charset="0"/>
-              <a:cs typeface="Times New Roman" panose="02020603050405020304" pitchFamily="18" charset="0"/>
-            </a:endParaRPr>
-          </a:p>
-          <a:p>
-            <a:pPr marL="742950" marR="0" lvl="1" indent="-285750">
-              <a:lnSpc>
-                <a:spcPct val="107000"/>
-              </a:lnSpc>
-              <a:spcBef>
-                <a:spcPts val="0"/>
-              </a:spcBef>
-              <a:spcAft>
-                <a:spcPts val="800"/>
-              </a:spcAft>
-              <a:buSzPts val="1000"/>
-              <a:buFont typeface="Courier New" panose="02070309020205020404" pitchFamily="49" charset="0"/>
-              <a:buChar char="o"/>
-              <a:tabLst>
-                <a:tab pos="914400" algn="l"/>
-              </a:tabLst>
-            </a:pPr>
-            <a:r>
-              <a:rPr lang="en-US" dirty="0">
-                <a:effectLst/>
-                <a:latin typeface="+mj-lt"/>
-                <a:ea typeface="Times New Roman" panose="02020603050405020304" pitchFamily="18" charset="0"/>
-                <a:cs typeface="Times New Roman" panose="02020603050405020304" pitchFamily="18" charset="0"/>
-              </a:rPr>
-              <a:t>Select compute cluster type, estimate cluster size based on workload</a:t>
-            </a:r>
-            <a:endParaRPr lang="en-US" dirty="0">
-              <a:effectLst/>
-              <a:latin typeface="+mj-lt"/>
-              <a:ea typeface="Calibri" panose="020F0502020204030204" pitchFamily="34" charset="0"/>
-              <a:cs typeface="Times New Roman" panose="02020603050405020304" pitchFamily="18" charset="0"/>
-            </a:endParaRPr>
-          </a:p>
-          <a:p>
-            <a:pPr marL="342900" marR="0" lvl="0" indent="-342900">
-              <a:lnSpc>
-                <a:spcPct val="107000"/>
-              </a:lnSpc>
-              <a:spcBef>
-                <a:spcPts val="0"/>
-              </a:spcBef>
-              <a:spcAft>
-                <a:spcPts val="800"/>
-              </a:spcAft>
-              <a:buSzPts val="1000"/>
-              <a:buFont typeface="Symbol" panose="05050102010706020507" pitchFamily="18" charset="2"/>
-              <a:buChar char=""/>
-              <a:tabLst>
-                <a:tab pos="457200" algn="l"/>
-              </a:tabLst>
-            </a:pPr>
-            <a:r>
-              <a:rPr lang="en-US" dirty="0">
-                <a:effectLst/>
-                <a:latin typeface="+mj-lt"/>
-                <a:ea typeface="Times New Roman" panose="02020603050405020304" pitchFamily="18" charset="0"/>
-                <a:cs typeface="Times New Roman" panose="02020603050405020304" pitchFamily="18" charset="0"/>
-              </a:rPr>
-              <a:t>Design for data security </a:t>
-            </a:r>
-            <a:endParaRPr lang="en-US" dirty="0">
-              <a:effectLst/>
-              <a:latin typeface="+mj-lt"/>
-              <a:ea typeface="Calibri" panose="020F0502020204030204" pitchFamily="34" charset="0"/>
-              <a:cs typeface="Times New Roman" panose="02020603050405020304" pitchFamily="18" charset="0"/>
-            </a:endParaRPr>
-          </a:p>
-          <a:p>
-            <a:pPr marL="742950" marR="0" lvl="1" indent="-285750">
-              <a:lnSpc>
-                <a:spcPct val="107000"/>
-              </a:lnSpc>
-              <a:spcBef>
-                <a:spcPts val="0"/>
-              </a:spcBef>
-              <a:spcAft>
-                <a:spcPts val="800"/>
-              </a:spcAft>
-              <a:buSzPts val="1000"/>
-              <a:buFont typeface="Courier New" panose="02070309020205020404" pitchFamily="49" charset="0"/>
-              <a:buChar char="o"/>
-              <a:tabLst>
-                <a:tab pos="914400" algn="l"/>
-              </a:tabLst>
-            </a:pPr>
-            <a:r>
-              <a:rPr lang="en-US" dirty="0">
-                <a:effectLst/>
-                <a:latin typeface="+mj-lt"/>
-                <a:ea typeface="Times New Roman" panose="02020603050405020304" pitchFamily="18" charset="0"/>
-                <a:cs typeface="Times New Roman" panose="02020603050405020304" pitchFamily="18" charset="0"/>
-              </a:rPr>
-              <a:t>Protect personally identifiable information (PII) data in Azure, encrypt and mask data, implement role-based security, implement row-based security</a:t>
-            </a:r>
-            <a:endParaRPr lang="en-US" dirty="0">
-              <a:effectLst/>
-              <a:latin typeface="+mj-lt"/>
-              <a:ea typeface="Calibri" panose="020F0502020204030204" pitchFamily="34" charset="0"/>
-              <a:cs typeface="Times New Roman" panose="02020603050405020304" pitchFamily="18" charset="0"/>
-            </a:endParaRPr>
-          </a:p>
-          <a:p>
-            <a:pPr marL="342900" marR="0" lvl="0" indent="-342900">
-              <a:lnSpc>
-                <a:spcPct val="107000"/>
-              </a:lnSpc>
-              <a:spcBef>
-                <a:spcPts val="0"/>
-              </a:spcBef>
-              <a:spcAft>
-                <a:spcPts val="800"/>
-              </a:spcAft>
-              <a:buSzPts val="1000"/>
-              <a:buFont typeface="Symbol" panose="05050102010706020507" pitchFamily="18" charset="2"/>
-              <a:buChar char=""/>
-              <a:tabLst>
-                <a:tab pos="457200" algn="l"/>
-              </a:tabLst>
-            </a:pPr>
-            <a:r>
-              <a:rPr lang="en-US" dirty="0">
-                <a:effectLst/>
-                <a:latin typeface="+mj-lt"/>
-                <a:ea typeface="Times New Roman" panose="02020603050405020304" pitchFamily="18" charset="0"/>
-                <a:cs typeface="Times New Roman" panose="02020603050405020304" pitchFamily="18" charset="0"/>
-              </a:rPr>
-              <a:t>Design for batch processing </a:t>
-            </a:r>
-            <a:endParaRPr lang="en-US" dirty="0">
-              <a:effectLst/>
-              <a:latin typeface="+mj-lt"/>
-              <a:ea typeface="Calibri" panose="020F0502020204030204" pitchFamily="34" charset="0"/>
-              <a:cs typeface="Times New Roman" panose="02020603050405020304" pitchFamily="18" charset="0"/>
-            </a:endParaRPr>
-          </a:p>
-          <a:p>
-            <a:pPr marL="742950" marR="0" lvl="1" indent="-285750">
-              <a:lnSpc>
-                <a:spcPct val="107000"/>
-              </a:lnSpc>
-              <a:spcBef>
-                <a:spcPts val="0"/>
-              </a:spcBef>
-              <a:spcAft>
-                <a:spcPts val="800"/>
-              </a:spcAft>
-              <a:buSzPts val="1000"/>
-              <a:buFont typeface="Courier New" panose="02070309020205020404" pitchFamily="49" charset="0"/>
-              <a:buChar char="o"/>
-              <a:tabLst>
-                <a:tab pos="914400" algn="l"/>
-              </a:tabLst>
-            </a:pPr>
-            <a:r>
-              <a:rPr lang="en-US" dirty="0">
-                <a:effectLst/>
-                <a:latin typeface="+mj-lt"/>
-                <a:ea typeface="Times New Roman" panose="02020603050405020304" pitchFamily="18" charset="0"/>
-                <a:cs typeface="Times New Roman" panose="02020603050405020304" pitchFamily="18" charset="0"/>
-              </a:rPr>
-              <a:t>Select appropriate language and tool, identify formats, define metadata, configure output</a:t>
-            </a:r>
-            <a:endParaRPr lang="en-US" dirty="0">
-              <a:effectLst/>
-              <a:latin typeface="+mj-lt"/>
-              <a:ea typeface="Calibri" panose="020F0502020204030204" pitchFamily="34" charset="0"/>
-              <a:cs typeface="Times New Roman" panose="02020603050405020304" pitchFamily="18" charset="0"/>
-            </a:endParaRPr>
+              <a:t>This certification exam is targeted towards data management professionals, data architects, data scientists, and data developers who design big data analytics solutions on Microsoft Azure. Candidates for this exam will have relevant work experience in big data analytics solutions.</a:t>
+            </a:r>
           </a:p>
         </p:txBody>
       </p:sp>
     </p:spTree>
     <p:extLst>
       <p:ext uri="{BB962C8B-B14F-4D97-AF65-F5344CB8AC3E}">
-        <p14:creationId xmlns:p14="http://schemas.microsoft.com/office/powerpoint/2010/main" val="3028445399"/>
+        <p14:creationId xmlns:p14="http://schemas.microsoft.com/office/powerpoint/2010/main" val="408787363"/>
       </p:ext>
     </p:extLst>
   </p:cSld>
@@ -18418,8 +18170,8 @@
         </p:nvSpPr>
         <p:spPr>
           <a:xfrm>
-            <a:off x="270937" y="191247"/>
-            <a:ext cx="10811774" cy="5641737"/>
+            <a:off x="235078" y="310776"/>
+            <a:ext cx="10811774" cy="4345036"/>
           </a:xfrm>
           <a:prstGeom prst="rect">
             <a:avLst/>
@@ -18447,7 +18199,7 @@
                 <a:cs typeface="Times New Roman" panose="02020603050405020304" pitchFamily="18" charset="0"/>
                 <a:hlinkClick r:id="rId3"/>
               </a:rPr>
-              <a:t>Design big data real-time processing solutions (30–35%)</a:t>
+              <a:t>Design big data batch processing and interactive solutions (30–35%)</a:t>
             </a:r>
             <a:endParaRPr lang="en-US" dirty="0">
               <a:effectLst/>
@@ -18481,7 +18233,7 @@
                 <a:ea typeface="Times New Roman" panose="02020603050405020304" pitchFamily="18" charset="0"/>
                 <a:cs typeface="Times New Roman" panose="02020603050405020304" pitchFamily="18" charset="0"/>
               </a:rPr>
-              <a:t>Ingest data for real-time processing </a:t>
+              <a:t>Ingest data for batch and interactive processing </a:t>
             </a:r>
             <a:endParaRPr lang="en-US" dirty="0">
               <a:effectLst/>
@@ -18515,7 +18267,7 @@
                 <a:ea typeface="Times New Roman" panose="02020603050405020304" pitchFamily="18" charset="0"/>
                 <a:cs typeface="Times New Roman" panose="02020603050405020304" pitchFamily="18" charset="0"/>
               </a:rPr>
-              <a:t>Select data ingestion technology, design partitioning scheme, design row key of event tables in HBase</a:t>
+              <a:t>Ingest from cloud-born or on-premises data, store data in Microsoft Azure Data Lake, store data in Azure BLOB Storage, perform a one-time bulk data transfer, perform routine small writes on a continuous basis</a:t>
             </a:r>
             <a:endParaRPr lang="en-US" dirty="0">
               <a:effectLst/>
@@ -18549,7 +18301,7 @@
                 <a:ea typeface="Times New Roman" panose="02020603050405020304" pitchFamily="18" charset="0"/>
                 <a:cs typeface="Times New Roman" panose="02020603050405020304" pitchFamily="18" charset="0"/>
               </a:rPr>
-              <a:t>Design and provision compute resources </a:t>
+              <a:t>Design and provision compute clusters </a:t>
             </a:r>
             <a:endParaRPr lang="en-US" dirty="0">
               <a:effectLst/>
@@ -18583,7 +18335,7 @@
                 <a:ea typeface="Times New Roman" panose="02020603050405020304" pitchFamily="18" charset="0"/>
                 <a:cs typeface="Times New Roman" panose="02020603050405020304" pitchFamily="18" charset="0"/>
               </a:rPr>
-              <a:t>Select streaming technology in Azure, select real-time event processing technology, select real-time event storage technology, select streaming units, configure cluster size, select the right technology for business requirements, assign appropriate resources for HBase clusters</a:t>
+              <a:t>Select compute cluster type, estimate cluster size based on workload</a:t>
             </a:r>
             <a:endParaRPr lang="en-US" dirty="0">
               <a:effectLst/>
@@ -18617,7 +18369,7 @@
                 <a:ea typeface="Times New Roman" panose="02020603050405020304" pitchFamily="18" charset="0"/>
                 <a:cs typeface="Times New Roman" panose="02020603050405020304" pitchFamily="18" charset="0"/>
               </a:rPr>
-              <a:t>Design for Lambda architecture </a:t>
+              <a:t>Design for data security </a:t>
             </a:r>
             <a:endParaRPr lang="en-US" dirty="0">
               <a:effectLst/>
@@ -18651,7 +18403,7 @@
                 <a:ea typeface="Times New Roman" panose="02020603050405020304" pitchFamily="18" charset="0"/>
                 <a:cs typeface="Times New Roman" panose="02020603050405020304" pitchFamily="18" charset="0"/>
               </a:rPr>
-              <a:t>Identify application of Lambda architecture, utilize streaming data to draw business insights in real time, utilize streaming data to show trends in data in real time, utilize streaming data and convert into batch data to get historical view, design such that batch data doesn’t introduce latency, utilize batch data for deeper data analysis</a:t>
+              <a:t>Protect personally identifiable information (PII) data in Azure, encrypt and mask data, implement role-based security, implement row-based security</a:t>
             </a:r>
             <a:endParaRPr lang="en-US" dirty="0">
               <a:effectLst/>
@@ -18685,7 +18437,7 @@
                 <a:ea typeface="Times New Roman" panose="02020603050405020304" pitchFamily="18" charset="0"/>
                 <a:cs typeface="Times New Roman" panose="02020603050405020304" pitchFamily="18" charset="0"/>
               </a:rPr>
-              <a:t>Design for real-time processing </a:t>
+              <a:t>Design for batch processing </a:t>
             </a:r>
             <a:endParaRPr lang="en-US" dirty="0">
               <a:effectLst/>
@@ -18719,7 +18471,7 @@
                 <a:ea typeface="Times New Roman" panose="02020603050405020304" pitchFamily="18" charset="0"/>
                 <a:cs typeface="Times New Roman" panose="02020603050405020304" pitchFamily="18" charset="0"/>
               </a:rPr>
-              <a:t>Design for latency and throughput, design reference data streams, design business logic, design visualization output</a:t>
+              <a:t>Select appropriate language and tool, identify formats, define metadata, configure output</a:t>
             </a:r>
             <a:endParaRPr lang="en-US" dirty="0">
               <a:effectLst/>
@@ -18728,31 +18480,12 @@
               <a:cs typeface="Times New Roman" panose="02020603050405020304" pitchFamily="18" charset="0"/>
             </a:endParaRPr>
           </a:p>
-          <a:p>
-            <a:pPr>
-              <a:lnSpc>
-                <a:spcPct val="107000"/>
-              </a:lnSpc>
-              <a:spcAft>
-                <a:spcPts val="800"/>
-              </a:spcAft>
-            </a:pPr>
-            <a:r>
-              <a:rPr lang="en-US" dirty="0">
-                <a:effectLst/>
-                <a:latin typeface="+mj-lt"/>
-                <a:ea typeface="Calibri" panose="020F0502020204030204" pitchFamily="34" charset="0"/>
-                <a:cs typeface="Times New Roman" panose="02020603050405020304" pitchFamily="18" charset="0"/>
-              </a:rPr>
-              <a:t> </a:t>
-            </a:r>
-          </a:p>
         </p:txBody>
       </p:sp>
     </p:spTree>
     <p:extLst>
       <p:ext uri="{BB962C8B-B14F-4D97-AF65-F5344CB8AC3E}">
-        <p14:creationId xmlns:p14="http://schemas.microsoft.com/office/powerpoint/2010/main" val="2526615558"/>
+        <p14:creationId xmlns:p14="http://schemas.microsoft.com/office/powerpoint/2010/main" val="3028445399"/>
       </p:ext>
     </p:extLst>
   </p:cSld>
@@ -18796,8 +18529,8 @@
         </p:nvSpPr>
         <p:spPr>
           <a:xfrm>
-            <a:off x="270937" y="239058"/>
-            <a:ext cx="10811774" cy="6350200"/>
+            <a:off x="270937" y="191247"/>
+            <a:ext cx="10811774" cy="5641737"/>
           </a:xfrm>
           <a:prstGeom prst="rect">
             <a:avLst/>
@@ -18825,7 +18558,7 @@
                 <a:cs typeface="Times New Roman" panose="02020603050405020304" pitchFamily="18" charset="0"/>
                 <a:hlinkClick r:id="rId3"/>
               </a:rPr>
-              <a:t>Operationalize end-to-end cloud analytics solutions (30–35%) </a:t>
+              <a:t>Design big data real-time processing solutions (30–35%)</a:t>
             </a:r>
             <a:endParaRPr lang="en-US" dirty="0">
               <a:effectLst/>
@@ -18859,7 +18592,7 @@
                 <a:ea typeface="Times New Roman" panose="02020603050405020304" pitchFamily="18" charset="0"/>
                 <a:cs typeface="Times New Roman" panose="02020603050405020304" pitchFamily="18" charset="0"/>
               </a:rPr>
-              <a:t>Create a data factory </a:t>
+              <a:t>Ingest data for real-time processing </a:t>
             </a:r>
             <a:endParaRPr lang="en-US" dirty="0">
               <a:effectLst/>
@@ -18893,7 +18626,7 @@
                 <a:ea typeface="Times New Roman" panose="02020603050405020304" pitchFamily="18" charset="0"/>
                 <a:cs typeface="Times New Roman" panose="02020603050405020304" pitchFamily="18" charset="0"/>
               </a:rPr>
-              <a:t>Identify data sources, identify and provision data processing infrastructure, utilize Visual Studio to design and deploy pipelines, deploy Data Factory Jobs</a:t>
+              <a:t>Select data ingestion technology, design partitioning scheme, design row key of event tables in HBase</a:t>
             </a:r>
             <a:endParaRPr lang="en-US" dirty="0">
               <a:effectLst/>
@@ -18927,7 +18660,7 @@
                 <a:ea typeface="Times New Roman" panose="02020603050405020304" pitchFamily="18" charset="0"/>
                 <a:cs typeface="Times New Roman" panose="02020603050405020304" pitchFamily="18" charset="0"/>
               </a:rPr>
-              <a:t>Orchestrate data processing activities in a data-driven workflow </a:t>
+              <a:t>Design and provision compute resources </a:t>
             </a:r>
             <a:endParaRPr lang="en-US" dirty="0">
               <a:effectLst/>
@@ -18961,7 +18694,7 @@
                 <a:ea typeface="Times New Roman" panose="02020603050405020304" pitchFamily="18" charset="0"/>
                 <a:cs typeface="Times New Roman" panose="02020603050405020304" pitchFamily="18" charset="0"/>
               </a:rPr>
-              <a:t>Leverage data-slicing concepts, identify data dependencies and chaining multiple activities, model complex schedules based on data dependencies, provision and run data pipelines</a:t>
+              <a:t>Select streaming technology in Azure, select real-time event processing technology, select real-time event storage technology, select streaming units, configure cluster size, select the right technology for business requirements, assign appropriate resources for HBase clusters</a:t>
             </a:r>
             <a:endParaRPr lang="en-US" dirty="0">
               <a:effectLst/>
@@ -18995,7 +18728,7 @@
                 <a:ea typeface="Times New Roman" panose="02020603050405020304" pitchFamily="18" charset="0"/>
                 <a:cs typeface="Times New Roman" panose="02020603050405020304" pitchFamily="18" charset="0"/>
               </a:rPr>
-              <a:t>Monitor and manage the data factory </a:t>
+              <a:t>Design for Lambda architecture </a:t>
             </a:r>
             <a:endParaRPr lang="en-US" dirty="0">
               <a:effectLst/>
@@ -19029,7 +18762,7 @@
                 <a:ea typeface="Times New Roman" panose="02020603050405020304" pitchFamily="18" charset="0"/>
                 <a:cs typeface="Times New Roman" panose="02020603050405020304" pitchFamily="18" charset="0"/>
               </a:rPr>
-              <a:t>Identify failures and root causes, create alerts for specified conditions, perform a restatement, start and stop data factory pipelines</a:t>
+              <a:t>Identify application of Lambda architecture, utilize streaming data to draw business insights in real time, utilize streaming data to show trends in data in real time, utilize streaming data and convert into batch data to get historical view, design such that batch data doesn’t introduce latency, utilize batch data for deeper data analysis</a:t>
             </a:r>
             <a:endParaRPr lang="en-US" dirty="0">
               <a:effectLst/>
@@ -19063,7 +18796,7 @@
                 <a:ea typeface="Times New Roman" panose="02020603050405020304" pitchFamily="18" charset="0"/>
                 <a:cs typeface="Times New Roman" panose="02020603050405020304" pitchFamily="18" charset="0"/>
               </a:rPr>
-              <a:t>Move, transform, and analyze data </a:t>
+              <a:t>Design for real-time processing </a:t>
             </a:r>
             <a:endParaRPr lang="en-US" dirty="0">
               <a:effectLst/>
@@ -19097,7 +18830,113 @@
                 <a:ea typeface="Times New Roman" panose="02020603050405020304" pitchFamily="18" charset="0"/>
                 <a:cs typeface="Times New Roman" panose="02020603050405020304" pitchFamily="18" charset="0"/>
               </a:rPr>
-              <a:t>Leverage Pig, Hive, MapReduce for data processing; copy data between on-premises and cloud; copy data between cloud data sources; leverage stored procedures; leverage Machine Learning batch execution for scoring, retraining, and update resource; extend the data factory with custom processing steps; load data into a relational store, visualize using Power BI</a:t>
+              <a:t>Design for latency and throughput, design reference data streams, design business logic, design visualization output</a:t>
+            </a:r>
+            <a:endParaRPr lang="en-US" dirty="0">
+              <a:effectLst/>
+              <a:latin typeface="+mj-lt"/>
+              <a:ea typeface="Calibri" panose="020F0502020204030204" pitchFamily="34" charset="0"/>
+              <a:cs typeface="Times New Roman" panose="02020603050405020304" pitchFamily="18" charset="0"/>
+            </a:endParaRPr>
+          </a:p>
+          <a:p>
+            <a:pPr>
+              <a:lnSpc>
+                <a:spcPct val="107000"/>
+              </a:lnSpc>
+              <a:spcAft>
+                <a:spcPts val="800"/>
+              </a:spcAft>
+            </a:pPr>
+            <a:r>
+              <a:rPr lang="en-US" dirty="0">
+                <a:effectLst/>
+                <a:latin typeface="+mj-lt"/>
+                <a:ea typeface="Calibri" panose="020F0502020204030204" pitchFamily="34" charset="0"/>
+                <a:cs typeface="Times New Roman" panose="02020603050405020304" pitchFamily="18" charset="0"/>
+              </a:rPr>
+              <a:t> </a:t>
+            </a:r>
+          </a:p>
+        </p:txBody>
+      </p:sp>
+    </p:spTree>
+    <p:extLst>
+      <p:ext uri="{BB962C8B-B14F-4D97-AF65-F5344CB8AC3E}">
+        <p14:creationId xmlns:p14="http://schemas.microsoft.com/office/powerpoint/2010/main" val="2526615558"/>
+      </p:ext>
+    </p:extLst>
+  </p:cSld>
+  <p:clrMapOvr>
+    <a:masterClrMapping/>
+  </p:clrMapOvr>
+  <p:transition spd="med">
+    <p:fade/>
+  </p:transition>
+</p:sld>
+</file>
+
+<file path=ppt/slides/slide16.xml><?xml version="1.0" encoding="utf-8"?>
+<p:sld xmlns:a="http://schemas.openxmlformats.org/drawingml/2006/main" xmlns:r="http://schemas.openxmlformats.org/officeDocument/2006/relationships" xmlns:p="http://schemas.openxmlformats.org/presentationml/2006/main">
+  <p:cSld>
+    <p:spTree>
+      <p:nvGrpSpPr>
+        <p:cNvPr id="1" name=""/>
+        <p:cNvGrpSpPr/>
+        <p:nvPr/>
+      </p:nvGrpSpPr>
+      <p:grpSpPr>
+        <a:xfrm>
+          <a:off x="0" y="0"/>
+          <a:ext cx="0" cy="0"/>
+          <a:chOff x="0" y="0"/>
+          <a:chExt cx="0" cy="0"/>
+        </a:xfrm>
+      </p:grpSpPr>
+      <p:sp>
+        <p:nvSpPr>
+          <p:cNvPr id="2" name="Rectangle 1">
+            <a:extLst>
+              <a:ext uri="{FF2B5EF4-FFF2-40B4-BE49-F238E27FC236}">
+                <a16:creationId xmlns:a16="http://schemas.microsoft.com/office/drawing/2014/main" id="{9A6A8EAC-9342-4E0B-9517-0B427B9ADC56}"/>
+              </a:ext>
+            </a:extLst>
+          </p:cNvPr>
+          <p:cNvSpPr/>
+          <p:nvPr/>
+        </p:nvSpPr>
+        <p:spPr>
+          <a:xfrm>
+            <a:off x="270937" y="239058"/>
+            <a:ext cx="10811774" cy="6350200"/>
+          </a:xfrm>
+          <a:prstGeom prst="rect">
+            <a:avLst/>
+          </a:prstGeom>
+        </p:spPr>
+        <p:txBody>
+          <a:bodyPr wrap="square">
+            <a:spAutoFit/>
+          </a:bodyPr>
+          <a:lstStyle/>
+          <a:p>
+            <a:pPr>
+              <a:lnSpc>
+                <a:spcPct val="107000"/>
+              </a:lnSpc>
+            </a:pPr>
+            <a:r>
+              <a:rPr lang="en-US" dirty="0">
+                <a:solidFill>
+                  <a:srgbClr val="0000FF"/>
+                </a:solidFill>
+                <a:effectLst/>
+                <a:latin typeface="+mj-lt"/>
+                <a:ea typeface="Times New Roman" panose="02020603050405020304" pitchFamily="18" charset="0"/>
+                <a:cs typeface="Times New Roman" panose="02020603050405020304" pitchFamily="18" charset="0"/>
+                <a:hlinkClick r:id="rId3"/>
+              </a:rPr>
+              <a:t>Operationalize end-to-end cloud analytics solutions (30–35%) </a:t>
             </a:r>
             <a:endParaRPr lang="en-US" dirty="0">
               <a:effectLst/>
@@ -19131,7 +18970,7 @@
                 <a:ea typeface="Times New Roman" panose="02020603050405020304" pitchFamily="18" charset="0"/>
                 <a:cs typeface="Times New Roman" panose="02020603050405020304" pitchFamily="18" charset="0"/>
               </a:rPr>
-              <a:t>Design a deployment strategy for an end-to-end solution </a:t>
+              <a:t>Create a data factory </a:t>
             </a:r>
             <a:endParaRPr lang="en-US" dirty="0">
               <a:effectLst/>
@@ -19165,6 +19004,278 @@
                 <a:ea typeface="Times New Roman" panose="02020603050405020304" pitchFamily="18" charset="0"/>
                 <a:cs typeface="Times New Roman" panose="02020603050405020304" pitchFamily="18" charset="0"/>
               </a:rPr>
+              <a:t>Identify data sources, identify and provision data processing infrastructure, utilize Visual Studio to design and deploy pipelines, deploy Data Factory Jobs</a:t>
+            </a:r>
+            <a:endParaRPr lang="en-US" dirty="0">
+              <a:effectLst/>
+              <a:latin typeface="+mj-lt"/>
+              <a:ea typeface="Calibri" panose="020F0502020204030204" pitchFamily="34" charset="0"/>
+              <a:cs typeface="Times New Roman" panose="02020603050405020304" pitchFamily="18" charset="0"/>
+            </a:endParaRPr>
+          </a:p>
+          <a:p>
+            <a:pPr marL="342900" marR="0" lvl="0" indent="-342900">
+              <a:lnSpc>
+                <a:spcPct val="107000"/>
+              </a:lnSpc>
+              <a:spcBef>
+                <a:spcPts val="0"/>
+              </a:spcBef>
+              <a:spcAft>
+                <a:spcPts val="800"/>
+              </a:spcAft>
+              <a:buSzPts val="1000"/>
+              <a:buFont typeface="Symbol" panose="05050102010706020507" pitchFamily="18" charset="2"/>
+              <a:buChar char=""/>
+              <a:tabLst>
+                <a:tab pos="457200" algn="l"/>
+              </a:tabLst>
+            </a:pPr>
+            <a:r>
+              <a:rPr lang="en-US" dirty="0">
+                <a:effectLst/>
+                <a:latin typeface="+mj-lt"/>
+                <a:ea typeface="Times New Roman" panose="02020603050405020304" pitchFamily="18" charset="0"/>
+                <a:cs typeface="Times New Roman" panose="02020603050405020304" pitchFamily="18" charset="0"/>
+              </a:rPr>
+              <a:t>Orchestrate data processing activities in a data-driven workflow </a:t>
+            </a:r>
+            <a:endParaRPr lang="en-US" dirty="0">
+              <a:effectLst/>
+              <a:latin typeface="+mj-lt"/>
+              <a:ea typeface="Calibri" panose="020F0502020204030204" pitchFamily="34" charset="0"/>
+              <a:cs typeface="Times New Roman" panose="02020603050405020304" pitchFamily="18" charset="0"/>
+            </a:endParaRPr>
+          </a:p>
+          <a:p>
+            <a:pPr marL="742950" marR="0" lvl="1" indent="-285750">
+              <a:lnSpc>
+                <a:spcPct val="107000"/>
+              </a:lnSpc>
+              <a:spcBef>
+                <a:spcPts val="0"/>
+              </a:spcBef>
+              <a:spcAft>
+                <a:spcPts val="800"/>
+              </a:spcAft>
+              <a:buSzPts val="1000"/>
+              <a:buFont typeface="Courier New" panose="02070309020205020404" pitchFamily="49" charset="0"/>
+              <a:buChar char="o"/>
+              <a:tabLst>
+                <a:tab pos="914400" algn="l"/>
+              </a:tabLst>
+            </a:pPr>
+            <a:r>
+              <a:rPr lang="en-US" dirty="0">
+                <a:effectLst/>
+                <a:latin typeface="+mj-lt"/>
+                <a:ea typeface="Times New Roman" panose="02020603050405020304" pitchFamily="18" charset="0"/>
+                <a:cs typeface="Times New Roman" panose="02020603050405020304" pitchFamily="18" charset="0"/>
+              </a:rPr>
+              <a:t>Leverage data-slicing concepts, identify data dependencies and chaining multiple activities, model complex schedules based on data dependencies, provision and run data pipelines</a:t>
+            </a:r>
+            <a:endParaRPr lang="en-US" dirty="0">
+              <a:effectLst/>
+              <a:latin typeface="+mj-lt"/>
+              <a:ea typeface="Calibri" panose="020F0502020204030204" pitchFamily="34" charset="0"/>
+              <a:cs typeface="Times New Roman" panose="02020603050405020304" pitchFamily="18" charset="0"/>
+            </a:endParaRPr>
+          </a:p>
+          <a:p>
+            <a:pPr marL="342900" marR="0" lvl="0" indent="-342900">
+              <a:lnSpc>
+                <a:spcPct val="107000"/>
+              </a:lnSpc>
+              <a:spcBef>
+                <a:spcPts val="0"/>
+              </a:spcBef>
+              <a:spcAft>
+                <a:spcPts val="800"/>
+              </a:spcAft>
+              <a:buSzPts val="1000"/>
+              <a:buFont typeface="Symbol" panose="05050102010706020507" pitchFamily="18" charset="2"/>
+              <a:buChar char=""/>
+              <a:tabLst>
+                <a:tab pos="457200" algn="l"/>
+              </a:tabLst>
+            </a:pPr>
+            <a:r>
+              <a:rPr lang="en-US" dirty="0">
+                <a:effectLst/>
+                <a:latin typeface="+mj-lt"/>
+                <a:ea typeface="Times New Roman" panose="02020603050405020304" pitchFamily="18" charset="0"/>
+                <a:cs typeface="Times New Roman" panose="02020603050405020304" pitchFamily="18" charset="0"/>
+              </a:rPr>
+              <a:t>Monitor and manage the data factory </a:t>
+            </a:r>
+            <a:endParaRPr lang="en-US" dirty="0">
+              <a:effectLst/>
+              <a:latin typeface="+mj-lt"/>
+              <a:ea typeface="Calibri" panose="020F0502020204030204" pitchFamily="34" charset="0"/>
+              <a:cs typeface="Times New Roman" panose="02020603050405020304" pitchFamily="18" charset="0"/>
+            </a:endParaRPr>
+          </a:p>
+          <a:p>
+            <a:pPr marL="742950" marR="0" lvl="1" indent="-285750">
+              <a:lnSpc>
+                <a:spcPct val="107000"/>
+              </a:lnSpc>
+              <a:spcBef>
+                <a:spcPts val="0"/>
+              </a:spcBef>
+              <a:spcAft>
+                <a:spcPts val="800"/>
+              </a:spcAft>
+              <a:buSzPts val="1000"/>
+              <a:buFont typeface="Courier New" panose="02070309020205020404" pitchFamily="49" charset="0"/>
+              <a:buChar char="o"/>
+              <a:tabLst>
+                <a:tab pos="914400" algn="l"/>
+              </a:tabLst>
+            </a:pPr>
+            <a:r>
+              <a:rPr lang="en-US" dirty="0">
+                <a:effectLst/>
+                <a:latin typeface="+mj-lt"/>
+                <a:ea typeface="Times New Roman" panose="02020603050405020304" pitchFamily="18" charset="0"/>
+                <a:cs typeface="Times New Roman" panose="02020603050405020304" pitchFamily="18" charset="0"/>
+              </a:rPr>
+              <a:t>Identify failures and root causes, create alerts for specified conditions, perform a restatement, start and stop data factory pipelines</a:t>
+            </a:r>
+            <a:endParaRPr lang="en-US" dirty="0">
+              <a:effectLst/>
+              <a:latin typeface="+mj-lt"/>
+              <a:ea typeface="Calibri" panose="020F0502020204030204" pitchFamily="34" charset="0"/>
+              <a:cs typeface="Times New Roman" panose="02020603050405020304" pitchFamily="18" charset="0"/>
+            </a:endParaRPr>
+          </a:p>
+          <a:p>
+            <a:pPr marL="342900" marR="0" lvl="0" indent="-342900">
+              <a:lnSpc>
+                <a:spcPct val="107000"/>
+              </a:lnSpc>
+              <a:spcBef>
+                <a:spcPts val="0"/>
+              </a:spcBef>
+              <a:spcAft>
+                <a:spcPts val="800"/>
+              </a:spcAft>
+              <a:buSzPts val="1000"/>
+              <a:buFont typeface="Symbol" panose="05050102010706020507" pitchFamily="18" charset="2"/>
+              <a:buChar char=""/>
+              <a:tabLst>
+                <a:tab pos="457200" algn="l"/>
+              </a:tabLst>
+            </a:pPr>
+            <a:r>
+              <a:rPr lang="en-US" dirty="0">
+                <a:effectLst/>
+                <a:latin typeface="+mj-lt"/>
+                <a:ea typeface="Times New Roman" panose="02020603050405020304" pitchFamily="18" charset="0"/>
+                <a:cs typeface="Times New Roman" panose="02020603050405020304" pitchFamily="18" charset="0"/>
+              </a:rPr>
+              <a:t>Move, transform, and analyze data </a:t>
+            </a:r>
+            <a:endParaRPr lang="en-US" dirty="0">
+              <a:effectLst/>
+              <a:latin typeface="+mj-lt"/>
+              <a:ea typeface="Calibri" panose="020F0502020204030204" pitchFamily="34" charset="0"/>
+              <a:cs typeface="Times New Roman" panose="02020603050405020304" pitchFamily="18" charset="0"/>
+            </a:endParaRPr>
+          </a:p>
+          <a:p>
+            <a:pPr marL="742950" marR="0" lvl="1" indent="-285750">
+              <a:lnSpc>
+                <a:spcPct val="107000"/>
+              </a:lnSpc>
+              <a:spcBef>
+                <a:spcPts val="0"/>
+              </a:spcBef>
+              <a:spcAft>
+                <a:spcPts val="800"/>
+              </a:spcAft>
+              <a:buSzPts val="1000"/>
+              <a:buFont typeface="Courier New" panose="02070309020205020404" pitchFamily="49" charset="0"/>
+              <a:buChar char="o"/>
+              <a:tabLst>
+                <a:tab pos="914400" algn="l"/>
+              </a:tabLst>
+            </a:pPr>
+            <a:r>
+              <a:rPr lang="en-US" dirty="0">
+                <a:effectLst/>
+                <a:latin typeface="+mj-lt"/>
+                <a:ea typeface="Times New Roman" panose="02020603050405020304" pitchFamily="18" charset="0"/>
+                <a:cs typeface="Times New Roman" panose="02020603050405020304" pitchFamily="18" charset="0"/>
+              </a:rPr>
+              <a:t>Leverage Pig, Hive, MapReduce for data processing; copy data between on-premises and cloud; copy data between cloud data sources; leverage stored procedures; leverage Machine Learning batch execution for scoring, retraining, and update resource; extend the data factory with custom processing steps; load data into a relational store, visualize using Power BI</a:t>
+            </a:r>
+            <a:endParaRPr lang="en-US" dirty="0">
+              <a:effectLst/>
+              <a:latin typeface="+mj-lt"/>
+              <a:ea typeface="Calibri" panose="020F0502020204030204" pitchFamily="34" charset="0"/>
+              <a:cs typeface="Times New Roman" panose="02020603050405020304" pitchFamily="18" charset="0"/>
+            </a:endParaRPr>
+          </a:p>
+          <a:p>
+            <a:pPr marL="342900" marR="0" lvl="0" indent="-342900">
+              <a:lnSpc>
+                <a:spcPct val="107000"/>
+              </a:lnSpc>
+              <a:spcBef>
+                <a:spcPts val="0"/>
+              </a:spcBef>
+              <a:spcAft>
+                <a:spcPts val="800"/>
+              </a:spcAft>
+              <a:buSzPts val="1000"/>
+              <a:buFont typeface="Symbol" panose="05050102010706020507" pitchFamily="18" charset="2"/>
+              <a:buChar char=""/>
+              <a:tabLst>
+                <a:tab pos="457200" algn="l"/>
+              </a:tabLst>
+            </a:pPr>
+            <a:r>
+              <a:rPr lang="en-US" dirty="0">
+                <a:effectLst/>
+                <a:latin typeface="+mj-lt"/>
+                <a:ea typeface="Times New Roman" panose="02020603050405020304" pitchFamily="18" charset="0"/>
+                <a:cs typeface="Times New Roman" panose="02020603050405020304" pitchFamily="18" charset="0"/>
+              </a:rPr>
+              <a:t>Design a deployment strategy for an end-to-end solution </a:t>
+            </a:r>
+            <a:endParaRPr lang="en-US" dirty="0">
+              <a:effectLst/>
+              <a:latin typeface="+mj-lt"/>
+              <a:ea typeface="Calibri" panose="020F0502020204030204" pitchFamily="34" charset="0"/>
+              <a:cs typeface="Times New Roman" panose="02020603050405020304" pitchFamily="18" charset="0"/>
+            </a:endParaRPr>
+          </a:p>
+          <a:p>
+            <a:pPr marL="742950" marR="0" lvl="1" indent="-285750">
+              <a:lnSpc>
+                <a:spcPct val="107000"/>
+              </a:lnSpc>
+              <a:spcBef>
+                <a:spcPts val="0"/>
+              </a:spcBef>
+              <a:spcAft>
+                <a:spcPts val="800"/>
+              </a:spcAft>
+              <a:buSzPts val="1000"/>
+              <a:buFont typeface="Courier New" panose="02070309020205020404" pitchFamily="49" charset="0"/>
+              <a:buChar char="o"/>
+              <a:tabLst>
+                <a:tab pos="914400" algn="l"/>
+              </a:tabLst>
+            </a:pPr>
+            <a:r>
+              <a:rPr lang="en-US" dirty="0">
+                <a:effectLst/>
+                <a:latin typeface="+mj-lt"/>
+                <a:ea typeface="Times New Roman" panose="02020603050405020304" pitchFamily="18" charset="0"/>
+                <a:cs typeface="Times New Roman" panose="02020603050405020304" pitchFamily="18" charset="0"/>
+              </a:rPr>
               <a:t>Leverage PowerShell for deployment, automate deployment programmatically, design deployment strategies for automation</a:t>
             </a:r>
             <a:endParaRPr lang="en-US" dirty="0">
@@ -19192,7 +19303,7 @@
 </p:sld>
 </file>
 
-<file path=ppt/slides/slide16.xml><?xml version="1.0" encoding="utf-8"?>
+<file path=ppt/slides/slide17.xml><?xml version="1.0" encoding="utf-8"?>
 <p:sld xmlns:a="http://schemas.openxmlformats.org/drawingml/2006/main" xmlns:r="http://schemas.openxmlformats.org/officeDocument/2006/relationships" xmlns:p="http://schemas.openxmlformats.org/presentationml/2006/main">
   <p:cSld>
     <p:spTree>
@@ -19261,7 +19372,7 @@
 </p:sld>
 </file>
 
-<file path=ppt/slides/slide17.xml><?xml version="1.0" encoding="utf-8"?>
+<file path=ppt/slides/slide18.xml><?xml version="1.0" encoding="utf-8"?>
 <p:sld xmlns:a="http://schemas.openxmlformats.org/drawingml/2006/main" xmlns:r="http://schemas.openxmlformats.org/officeDocument/2006/relationships" xmlns:p="http://schemas.openxmlformats.org/presentationml/2006/main">
   <p:cSld>
     <p:spTree>
@@ -19391,7 +19502,7 @@
 </p:sld>
 </file>
 
-<file path=ppt/slides/slide18.xml><?xml version="1.0" encoding="utf-8"?>
+<file path=ppt/slides/slide19.xml><?xml version="1.0" encoding="utf-8"?>
 <p:sld xmlns:a="http://schemas.openxmlformats.org/drawingml/2006/main" xmlns:r="http://schemas.openxmlformats.org/officeDocument/2006/relationships" xmlns:p="http://schemas.openxmlformats.org/presentationml/2006/main">
   <p:cSld>
     <p:spTree>
@@ -28626,7 +28737,107 @@
 </p:sld>
 </file>
 
-<file path=ppt/slides/slide19.xml><?xml version="1.0" encoding="utf-8"?>
+<file path=ppt/slides/slide2.xml><?xml version="1.0" encoding="utf-8"?>
+<p:sld xmlns:a="http://schemas.openxmlformats.org/drawingml/2006/main" xmlns:r="http://schemas.openxmlformats.org/officeDocument/2006/relationships" xmlns:p="http://schemas.openxmlformats.org/presentationml/2006/main">
+  <p:cSld>
+    <p:spTree>
+      <p:nvGrpSpPr>
+        <p:cNvPr id="1" name=""/>
+        <p:cNvGrpSpPr/>
+        <p:nvPr/>
+      </p:nvGrpSpPr>
+      <p:grpSpPr>
+        <a:xfrm>
+          <a:off x="0" y="0"/>
+          <a:ext cx="0" cy="0"/>
+          <a:chOff x="0" y="0"/>
+          <a:chExt cx="0" cy="0"/>
+        </a:xfrm>
+      </p:grpSpPr>
+      <p:sp>
+        <p:nvSpPr>
+          <p:cNvPr id="2" name="Title 1">
+            <a:extLst>
+              <a:ext uri="{FF2B5EF4-FFF2-40B4-BE49-F238E27FC236}">
+                <a16:creationId xmlns:a16="http://schemas.microsoft.com/office/drawing/2014/main" id="{766CA6F0-C629-4FF2-A98F-6E89863942F5}"/>
+              </a:ext>
+            </a:extLst>
+          </p:cNvPr>
+          <p:cNvSpPr>
+            <a:spLocks noGrp="1"/>
+          </p:cNvSpPr>
+          <p:nvPr>
+            <p:ph type="title"/>
+          </p:nvPr>
+        </p:nvSpPr>
+        <p:spPr/>
+        <p:txBody>
+          <a:bodyPr/>
+          <a:lstStyle/>
+          <a:p>
+            <a:r>
+              <a:rPr lang="en-US" dirty="0"/>
+              <a:t>Welcome!</a:t>
+            </a:r>
+          </a:p>
+        </p:txBody>
+      </p:sp>
+      <p:sp>
+        <p:nvSpPr>
+          <p:cNvPr id="5" name="Text Placeholder 4">
+            <a:extLst>
+              <a:ext uri="{FF2B5EF4-FFF2-40B4-BE49-F238E27FC236}">
+                <a16:creationId xmlns:a16="http://schemas.microsoft.com/office/drawing/2014/main" id="{C359FCC8-CC0B-42C9-8D2A-F7210542E394}"/>
+              </a:ext>
+            </a:extLst>
+          </p:cNvPr>
+          <p:cNvSpPr>
+            <a:spLocks noGrp="1"/>
+          </p:cNvSpPr>
+          <p:nvPr>
+            <p:ph type="body" sz="quarter" idx="12"/>
+          </p:nvPr>
+        </p:nvSpPr>
+        <p:spPr>
+          <a:xfrm>
+            <a:off x="271104" y="3877271"/>
+            <a:ext cx="10610256" cy="1794661"/>
+          </a:xfrm>
+        </p:spPr>
+        <p:txBody>
+          <a:bodyPr/>
+          <a:lstStyle/>
+          <a:p>
+            <a:r>
+              <a:rPr lang="en-US" dirty="0"/>
+              <a:t>Andy Roberts – Data Platform Specialist</a:t>
+            </a:r>
+          </a:p>
+          <a:p>
+            <a:r>
+              <a:rPr lang="en-US" dirty="0"/>
+              <a:t>James Serra – Data Solution Architect </a:t>
+            </a:r>
+          </a:p>
+        </p:txBody>
+      </p:sp>
+    </p:spTree>
+    <p:extLst>
+      <p:ext uri="{BB962C8B-B14F-4D97-AF65-F5344CB8AC3E}">
+        <p14:creationId xmlns:p14="http://schemas.microsoft.com/office/powerpoint/2010/main" val="189656044"/>
+      </p:ext>
+    </p:extLst>
+  </p:cSld>
+  <p:clrMapOvr>
+    <a:masterClrMapping/>
+  </p:clrMapOvr>
+  <p:transition spd="slow">
+    <p:push/>
+  </p:transition>
+</p:sld>
+</file>
+
+<file path=ppt/slides/slide20.xml><?xml version="1.0" encoding="utf-8"?>
 <p:sld xmlns:a="http://schemas.openxmlformats.org/drawingml/2006/main" xmlns:r="http://schemas.openxmlformats.org/officeDocument/2006/relationships" xmlns:p="http://schemas.openxmlformats.org/presentationml/2006/main">
   <p:cSld>
     <p:spTree>
@@ -32411,107 +32622,7 @@
 </p:sld>
 </file>
 
-<file path=ppt/slides/slide2.xml><?xml version="1.0" encoding="utf-8"?>
-<p:sld xmlns:a="http://schemas.openxmlformats.org/drawingml/2006/main" xmlns:r="http://schemas.openxmlformats.org/officeDocument/2006/relationships" xmlns:p="http://schemas.openxmlformats.org/presentationml/2006/main">
-  <p:cSld>
-    <p:spTree>
-      <p:nvGrpSpPr>
-        <p:cNvPr id="1" name=""/>
-        <p:cNvGrpSpPr/>
-        <p:nvPr/>
-      </p:nvGrpSpPr>
-      <p:grpSpPr>
-        <a:xfrm>
-          <a:off x="0" y="0"/>
-          <a:ext cx="0" cy="0"/>
-          <a:chOff x="0" y="0"/>
-          <a:chExt cx="0" cy="0"/>
-        </a:xfrm>
-      </p:grpSpPr>
-      <p:sp>
-        <p:nvSpPr>
-          <p:cNvPr id="2" name="Title 1">
-            <a:extLst>
-              <a:ext uri="{FF2B5EF4-FFF2-40B4-BE49-F238E27FC236}">
-                <a16:creationId xmlns:a16="http://schemas.microsoft.com/office/drawing/2014/main" id="{766CA6F0-C629-4FF2-A98F-6E89863942F5}"/>
-              </a:ext>
-            </a:extLst>
-          </p:cNvPr>
-          <p:cNvSpPr>
-            <a:spLocks noGrp="1"/>
-          </p:cNvSpPr>
-          <p:nvPr>
-            <p:ph type="title"/>
-          </p:nvPr>
-        </p:nvSpPr>
-        <p:spPr/>
-        <p:txBody>
-          <a:bodyPr/>
-          <a:lstStyle/>
-          <a:p>
-            <a:r>
-              <a:rPr lang="en-US" dirty="0"/>
-              <a:t>Welcome!</a:t>
-            </a:r>
-          </a:p>
-        </p:txBody>
-      </p:sp>
-      <p:sp>
-        <p:nvSpPr>
-          <p:cNvPr id="5" name="Text Placeholder 4">
-            <a:extLst>
-              <a:ext uri="{FF2B5EF4-FFF2-40B4-BE49-F238E27FC236}">
-                <a16:creationId xmlns:a16="http://schemas.microsoft.com/office/drawing/2014/main" id="{C359FCC8-CC0B-42C9-8D2A-F7210542E394}"/>
-              </a:ext>
-            </a:extLst>
-          </p:cNvPr>
-          <p:cNvSpPr>
-            <a:spLocks noGrp="1"/>
-          </p:cNvSpPr>
-          <p:nvPr>
-            <p:ph type="body" sz="quarter" idx="12"/>
-          </p:nvPr>
-        </p:nvSpPr>
-        <p:spPr>
-          <a:xfrm>
-            <a:off x="271104" y="3877271"/>
-            <a:ext cx="10610256" cy="1794661"/>
-          </a:xfrm>
-        </p:spPr>
-        <p:txBody>
-          <a:bodyPr/>
-          <a:lstStyle/>
-          <a:p>
-            <a:r>
-              <a:rPr lang="en-US" dirty="0"/>
-              <a:t>Andy Roberts – Data Platform Specialist</a:t>
-            </a:r>
-          </a:p>
-          <a:p>
-            <a:r>
-              <a:rPr lang="en-US" dirty="0"/>
-              <a:t>James Serra – Data Solution Architect </a:t>
-            </a:r>
-          </a:p>
-        </p:txBody>
-      </p:sp>
-    </p:spTree>
-    <p:extLst>
-      <p:ext uri="{BB962C8B-B14F-4D97-AF65-F5344CB8AC3E}">
-        <p14:creationId xmlns:p14="http://schemas.microsoft.com/office/powerpoint/2010/main" val="189656044"/>
-      </p:ext>
-    </p:extLst>
-  </p:cSld>
-  <p:clrMapOvr>
-    <a:masterClrMapping/>
-  </p:clrMapOvr>
-  <p:transition spd="slow">
-    <p:push/>
-  </p:transition>
-</p:sld>
-</file>
-
-<file path=ppt/slides/slide20.xml><?xml version="1.0" encoding="utf-8"?>
+<file path=ppt/slides/slide21.xml><?xml version="1.0" encoding="utf-8"?>
 <p:sld xmlns:a="http://schemas.openxmlformats.org/drawingml/2006/main" xmlns:r="http://schemas.openxmlformats.org/officeDocument/2006/relationships" xmlns:p="http://schemas.openxmlformats.org/presentationml/2006/main">
   <p:cSld>
     <p:spTree>
@@ -40479,7 +40590,7 @@
 </file>
 
 <file path=ppt/slides/slide8.xml><?xml version="1.0" encoding="utf-8"?>
-<p:sld xmlns:a="http://schemas.openxmlformats.org/drawingml/2006/main" xmlns:r="http://schemas.openxmlformats.org/officeDocument/2006/relationships" xmlns:p="http://schemas.openxmlformats.org/presentationml/2006/main" show="0">
+<p:sld xmlns:a="http://schemas.openxmlformats.org/drawingml/2006/main" xmlns:r="http://schemas.openxmlformats.org/officeDocument/2006/relationships" xmlns:p="http://schemas.openxmlformats.org/presentationml/2006/main">
   <p:cSld>
     <p:spTree>
       <p:nvGrpSpPr>
@@ -40497,7 +40608,13 @@
       </p:grpSpPr>
       <p:sp>
         <p:nvSpPr>
-          <p:cNvPr id="2" name="Title 1"/>
+          <p:cNvPr id="2" name="Title 1">
+            <a:extLst>
+              <a:ext uri="{FF2B5EF4-FFF2-40B4-BE49-F238E27FC236}">
+                <a16:creationId xmlns:a16="http://schemas.microsoft.com/office/drawing/2014/main" id="{0CD47D3A-7EFB-4FC5-A9A6-10D81D900729}"/>
+              </a:ext>
+            </a:extLst>
+          </p:cNvPr>
           <p:cNvSpPr>
             <a:spLocks noGrp="1"/>
           </p:cNvSpPr>
@@ -40505,413 +40622,103 @@
             <p:ph type="title"/>
           </p:nvPr>
         </p:nvSpPr>
-        <p:spPr>
-          <a:xfrm>
-            <a:off x="138148" y="74893"/>
-            <a:ext cx="11919689" cy="905377"/>
-          </a:xfrm>
-        </p:spPr>
-        <p:txBody>
-          <a:bodyPr>
-            <a:noAutofit/>
-          </a:bodyPr>
+        <p:spPr/>
+        <p:txBody>
+          <a:bodyPr/>
           <a:lstStyle/>
           <a:p>
             <a:r>
-              <a:rPr lang="en-US" sz="3200" b="1" dirty="0"/>
-              <a:t>Exam 70-475 </a:t>
-            </a:r>
-            <a:r>
-              <a:rPr lang="en-US" sz="3200" dirty="0">
-                <a:latin typeface="Calibri" panose="020F0502020204030204"/>
-              </a:rPr>
-              <a:t>Designing and Implementing Big Data Analytics Solutions</a:t>
-            </a:r>
-            <a:endParaRPr lang="en-US" sz="2400" dirty="0"/>
-          </a:p>
-        </p:txBody>
-      </p:sp>
-      <p:sp>
-        <p:nvSpPr>
-          <p:cNvPr id="7" name="Content Placeholder 6"/>
+              <a:rPr lang="en-US" dirty="0"/>
+              <a:t>Azure Account</a:t>
+            </a:r>
+          </a:p>
+        </p:txBody>
+      </p:sp>
+      <p:sp>
+        <p:nvSpPr>
+          <p:cNvPr id="3" name="Content Placeholder 2">
+            <a:extLst>
+              <a:ext uri="{FF2B5EF4-FFF2-40B4-BE49-F238E27FC236}">
+                <a16:creationId xmlns:a16="http://schemas.microsoft.com/office/drawing/2014/main" id="{9BCF94D9-B83F-4B67-94C3-3EDB270269AC}"/>
+              </a:ext>
+            </a:extLst>
+          </p:cNvPr>
           <p:cNvSpPr>
             <a:spLocks noGrp="1"/>
           </p:cNvSpPr>
           <p:nvPr>
-            <p:ph sz="half" idx="1"/>
+            <p:ph idx="1"/>
           </p:nvPr>
         </p:nvSpPr>
-        <p:spPr>
-          <a:xfrm>
-            <a:off x="398232" y="1043730"/>
-            <a:ext cx="5699760" cy="5327539"/>
-          </a:xfrm>
-        </p:spPr>
-        <p:txBody>
-          <a:bodyPr>
-            <a:normAutofit/>
-          </a:bodyPr>
+        <p:spPr/>
+        <p:txBody>
+          <a:bodyPr/>
           <a:lstStyle/>
           <a:p>
-            <a:pPr marL="0" indent="0" eaLnBrk="0" fontAlgn="t" hangingPunct="0">
-              <a:lnSpc>
-                <a:spcPct val="100000"/>
-              </a:lnSpc>
-              <a:spcBef>
-                <a:spcPct val="0"/>
-              </a:spcBef>
-              <a:spcAft>
-                <a:spcPct val="0"/>
-              </a:spcAft>
+            <a:pPr marL="0" indent="0">
               <a:buNone/>
             </a:pPr>
-            <a:endParaRPr lang="en-US" sz="1500" b="1" dirty="0">
-              <a:latin typeface="Calibri" panose="020F0502020204030204" pitchFamily="34" charset="0"/>
-              <a:ea typeface="Calibri" panose="020F0502020204030204" pitchFamily="34" charset="0"/>
-              <a:cs typeface="Times New Roman" panose="02020603050405020304" pitchFamily="18" charset="0"/>
-            </a:endParaRPr>
-          </a:p>
-          <a:p>
-            <a:pPr marL="0" indent="0" eaLnBrk="0" fontAlgn="t" hangingPunct="0">
-              <a:lnSpc>
-                <a:spcPct val="100000"/>
-              </a:lnSpc>
-              <a:spcBef>
-                <a:spcPct val="0"/>
-              </a:spcBef>
-              <a:spcAft>
-                <a:spcPct val="0"/>
-              </a:spcAft>
+            <a:r>
+              <a:rPr lang="en-US" dirty="0"/>
+              <a:t>You will need a Microsoft Azure account. </a:t>
+            </a:r>
+          </a:p>
+          <a:p>
+            <a:pPr marL="0" indent="0">
               <a:buNone/>
             </a:pPr>
             <a:r>
-              <a:rPr lang="en-US" sz="1500" b="1" dirty="0">
-                <a:latin typeface="Calibri" panose="020F0502020204030204" pitchFamily="34" charset="0"/>
-                <a:ea typeface="Calibri" panose="020F0502020204030204" pitchFamily="34" charset="0"/>
-                <a:cs typeface="Times New Roman" panose="02020603050405020304" pitchFamily="18" charset="0"/>
+              <a:rPr lang="en-US" dirty="0"/>
+              <a:t>You can use a production Azure account if you are able to create objects. </a:t>
+            </a:r>
+          </a:p>
+          <a:p>
+            <a:pPr marL="0" indent="0">
+              <a:buNone/>
+            </a:pPr>
+            <a:r>
+              <a:rPr lang="en-US" dirty="0"/>
+              <a:t>You can also use your Microsoft Developer Network (MSDN) account (if you have one) to complete this workshop. </a:t>
+            </a:r>
+          </a:p>
+          <a:p>
+            <a:pPr marL="0" indent="0">
+              <a:buNone/>
+            </a:pPr>
+            <a:r>
+              <a:rPr lang="en-US" dirty="0"/>
+              <a:t>If you don’t have access to a corporate or MSDN account: Create a free account </a:t>
+            </a:r>
+            <a:r>
+              <a:rPr lang="en-US" dirty="0">
+                <a:hlinkClick r:id="rId2"/>
               </a:rPr>
-              <a:t>Design Big Data Batch and Interactive processing Solutions (30-35%)</a:t>
-            </a:r>
-          </a:p>
-          <a:p>
-            <a:pPr fontAlgn="base"/>
-            <a:r>
-              <a:rPr lang="en-US" sz="1050" b="1" dirty="0"/>
-              <a:t>Ingest data for batch and interactive processing: </a:t>
-            </a:r>
-            <a:r>
-              <a:rPr lang="en-US" sz="1050" dirty="0"/>
-              <a:t>I</a:t>
-            </a:r>
-            <a:r>
-              <a:rPr lang="en-US" sz="1000" dirty="0"/>
-              <a:t>ngest from cloud-born or on-premises data, store data in Microsoft Azure Data Lake, store data in Azure BLOB Storage, perform a one-time bulk data transfer, perform routine small writes on a continuous basis</a:t>
-            </a:r>
-          </a:p>
-          <a:p>
-            <a:pPr fontAlgn="base"/>
-            <a:r>
-              <a:rPr lang="en-US" sz="1050" b="1" dirty="0"/>
-              <a:t>Design and provision compute clusters: </a:t>
-            </a:r>
-            <a:r>
-              <a:rPr lang="en-US" sz="1000" dirty="0"/>
-              <a:t>Select compute cluster type, estimate cluster size based on workload</a:t>
-            </a:r>
-          </a:p>
-          <a:p>
-            <a:pPr fontAlgn="base"/>
-            <a:r>
-              <a:rPr lang="en-US" sz="1050" b="1" dirty="0"/>
-              <a:t>Design for data security: </a:t>
-            </a:r>
-            <a:r>
-              <a:rPr lang="en-US" sz="1000" dirty="0"/>
-              <a:t>Protect personally identifiable information (PII) data in Azure, encrypt and mask data, implement role-based security, implement row-based security</a:t>
-            </a:r>
-          </a:p>
-          <a:p>
-            <a:pPr fontAlgn="base"/>
-            <a:r>
-              <a:rPr lang="en-US" sz="1050" b="1" dirty="0"/>
-              <a:t>Design for batch processing: </a:t>
-            </a:r>
-            <a:r>
-              <a:rPr lang="en-US" sz="1000" dirty="0"/>
-              <a:t>Select appropriate language and tool, identify formats, define metadata, configure output</a:t>
-            </a:r>
-          </a:p>
-          <a:p>
-            <a:pPr marL="0" indent="0" eaLnBrk="0" fontAlgn="t" hangingPunct="0">
-              <a:lnSpc>
-                <a:spcPct val="100000"/>
-              </a:lnSpc>
-              <a:spcBef>
-                <a:spcPct val="0"/>
-              </a:spcBef>
-              <a:spcAft>
-                <a:spcPct val="0"/>
-              </a:spcAft>
-              <a:buNone/>
-            </a:pPr>
-            <a:r>
-              <a:rPr lang="en-US" sz="1500" b="1" dirty="0">
-                <a:latin typeface="Calibri" panose="020F0502020204030204" pitchFamily="34" charset="0"/>
-                <a:ea typeface="Calibri" panose="020F0502020204030204" pitchFamily="34" charset="0"/>
-                <a:cs typeface="Times New Roman" panose="02020603050405020304" pitchFamily="18" charset="0"/>
+              <a:t>using this process</a:t>
+            </a:r>
+            <a:r>
+              <a:rPr lang="en-US" dirty="0"/>
+              <a:t> (</a:t>
+            </a:r>
+            <a:r>
+              <a:rPr lang="en-US" dirty="0">
+                <a:hlinkClick r:id="rId3"/>
               </a:rPr>
-              <a:t>Design Big Data Batch and Real-time processing Solutions (30-35%)</a:t>
-            </a:r>
-          </a:p>
-          <a:p>
-            <a:pPr fontAlgn="base"/>
-            <a:r>
-              <a:rPr lang="en-US" sz="1000" b="1" dirty="0"/>
-              <a:t>Ingest data for real-time processing: </a:t>
-            </a:r>
-            <a:r>
-              <a:rPr lang="en-US" sz="1000" dirty="0"/>
-              <a:t>Select data ingestion technology, design partitioning scheme, design row key of event tables in HBase</a:t>
-            </a:r>
-          </a:p>
-          <a:p>
-            <a:pPr fontAlgn="base"/>
-            <a:r>
-              <a:rPr lang="en-US" sz="1000" b="1" dirty="0"/>
-              <a:t>Design and provision compute resources: </a:t>
-            </a:r>
-            <a:r>
-              <a:rPr lang="en-US" sz="1000" dirty="0"/>
-              <a:t>Select streaming technology in Azure, select real-time event processing technology, select real-time event storage technology, select streaming units, configure cluster size, select the right technology for business requirements, assign appropriate resources for HBase clusters</a:t>
-            </a:r>
-          </a:p>
-          <a:p>
-            <a:pPr fontAlgn="base"/>
-            <a:r>
-              <a:rPr lang="en-US" sz="1000" b="1" dirty="0"/>
-              <a:t>Design for Lambda architecture: I</a:t>
-            </a:r>
-            <a:r>
-              <a:rPr lang="en-US" sz="1000" dirty="0"/>
-              <a:t>dentify application of Lambda architecture, utilize streaming data to draw business insights in real time, utilize streaming data to show trends in data in real time, utilize streaming data and convert into batch data to get historical view, design such that batch data doesn’t introduce latency, utilize batch data for deeper data analysis</a:t>
-            </a:r>
-          </a:p>
-          <a:p>
-            <a:pPr fontAlgn="base"/>
-            <a:r>
-              <a:rPr lang="en-US" sz="1000" b="1" dirty="0"/>
-              <a:t>Design for real-time processing: </a:t>
-            </a:r>
-            <a:r>
-              <a:rPr lang="en-US" sz="1000" dirty="0"/>
-              <a:t>Design for latency and throughput, design reference data streams, design business logic, design visualization output</a:t>
-            </a:r>
-          </a:p>
-          <a:p>
-            <a:pPr marL="0" indent="0" eaLnBrk="0" fontAlgn="t" hangingPunct="0">
-              <a:lnSpc>
-                <a:spcPct val="100000"/>
-              </a:lnSpc>
-              <a:spcBef>
-                <a:spcPct val="0"/>
-              </a:spcBef>
-              <a:spcAft>
-                <a:spcPct val="0"/>
-              </a:spcAft>
-              <a:buNone/>
-            </a:pPr>
-            <a:endParaRPr lang="en-US" sz="1500" b="1" dirty="0">
-              <a:latin typeface="Calibri" panose="020F0502020204030204" pitchFamily="34" charset="0"/>
-              <a:ea typeface="Calibri" panose="020F0502020204030204" pitchFamily="34" charset="0"/>
-              <a:cs typeface="Times New Roman" panose="02020603050405020304" pitchFamily="18" charset="0"/>
-            </a:endParaRPr>
-          </a:p>
-        </p:txBody>
-      </p:sp>
-      <p:sp>
-        <p:nvSpPr>
-          <p:cNvPr id="3" name="Content Placeholder 2"/>
-          <p:cNvSpPr>
-            <a:spLocks noGrp="1"/>
-          </p:cNvSpPr>
-          <p:nvPr>
-            <p:ph sz="half" idx="2"/>
-          </p:nvPr>
-        </p:nvSpPr>
-        <p:spPr>
-          <a:xfrm>
-            <a:off x="6358077" y="1273629"/>
-            <a:ext cx="5699760" cy="4798336"/>
-          </a:xfrm>
-        </p:spPr>
-        <p:txBody>
-          <a:bodyPr>
-            <a:noAutofit/>
-          </a:bodyPr>
-          <a:lstStyle/>
-          <a:p>
-            <a:pPr marL="0" lvl="1" indent="0" fontAlgn="t">
-              <a:lnSpc>
-                <a:spcPct val="100000"/>
-              </a:lnSpc>
-              <a:spcBef>
-                <a:spcPts val="0"/>
-              </a:spcBef>
-              <a:spcAft>
-                <a:spcPct val="0"/>
-              </a:spcAft>
-              <a:buSzPts val="1000"/>
-              <a:buNone/>
-              <a:tabLst>
-                <a:tab pos="228600" algn="l"/>
-              </a:tabLst>
-            </a:pPr>
-            <a:r>
-              <a:rPr lang="en-US" sz="1500" b="1" dirty="0">
-                <a:latin typeface="Calibri" panose="020F0502020204030204" pitchFamily="34" charset="0"/>
-                <a:ea typeface="Calibri" panose="020F0502020204030204" pitchFamily="34" charset="0"/>
-                <a:cs typeface="Times New Roman" panose="02020603050405020304" pitchFamily="18" charset="0"/>
-              </a:rPr>
-              <a:t>Operationalize End-to-End Cloud Analytics Solutions (30-35%)</a:t>
-            </a:r>
-          </a:p>
-          <a:p>
-            <a:pPr fontAlgn="base"/>
-            <a:r>
-              <a:rPr lang="en-US" sz="1050" b="1" dirty="0"/>
-              <a:t>Create a data factory: </a:t>
-            </a:r>
-            <a:r>
-              <a:rPr lang="en-US" sz="1000" dirty="0"/>
-              <a:t>Identify data sources, identify and provision data processing infrastructure, utilize Visual Studio to design and deploy pipelines, deploy Data Factory Jobs</a:t>
-            </a:r>
-          </a:p>
-          <a:p>
-            <a:pPr fontAlgn="base"/>
-            <a:r>
-              <a:rPr lang="en-US" sz="1050" b="1" dirty="0"/>
-              <a:t>Orchestrate data processing activities in a data-driven workflow: </a:t>
-            </a:r>
-            <a:r>
-              <a:rPr lang="en-US" sz="1000" dirty="0"/>
-              <a:t>Leverage data-slicing concepts, identify data dependencies and chaining multiple activities, model complex schedules based on data dependencies, provision and run data pipelines</a:t>
-            </a:r>
-          </a:p>
-          <a:p>
-            <a:pPr fontAlgn="base"/>
-            <a:r>
-              <a:rPr lang="en-US" sz="1050" b="1" dirty="0"/>
-              <a:t>Monitor and manage the data factory: </a:t>
-            </a:r>
-            <a:r>
-              <a:rPr lang="en-US" sz="1000" dirty="0" err="1"/>
-              <a:t>dentify</a:t>
-            </a:r>
-            <a:r>
-              <a:rPr lang="en-US" sz="1000" dirty="0"/>
-              <a:t> failures and root causes, create alerts for specified conditions, perform a restatement, start and stop data factory pipelines</a:t>
-            </a:r>
-          </a:p>
-          <a:p>
-            <a:pPr fontAlgn="base"/>
-            <a:r>
-              <a:rPr lang="en-US" sz="1050" b="1" dirty="0"/>
-              <a:t>Move, transform, and analyze data: </a:t>
-            </a:r>
-            <a:r>
-              <a:rPr lang="en-US" sz="1000" dirty="0"/>
-              <a:t>Leverage Pig, Hive, MapReduce for data processing; copy data between on-premises and cloud; copy data between cloud data sources; leverage stored procedures; leverage Machine Learning batch execution for scoring, retraining, and update resource; extend the data factory with custom processing steps; load data into a relational store, visualize using Power BI</a:t>
-            </a:r>
-          </a:p>
-          <a:p>
-            <a:pPr fontAlgn="base"/>
-            <a:r>
-              <a:rPr lang="en-US" sz="1050" b="1" dirty="0"/>
-              <a:t>Design a deployment strategy for an end-to-end solution: </a:t>
-            </a:r>
-            <a:r>
-              <a:rPr lang="en-US" sz="1000" dirty="0"/>
-              <a:t>Leverage PowerShell for deployment, automate deployment programmatically, design deployment strategies for automation</a:t>
-            </a:r>
-          </a:p>
-          <a:p>
-            <a:pPr marL="0" lvl="1" indent="0" fontAlgn="t">
-              <a:lnSpc>
-                <a:spcPct val="100000"/>
-              </a:lnSpc>
-              <a:spcBef>
-                <a:spcPts val="0"/>
-              </a:spcBef>
-              <a:spcAft>
-                <a:spcPct val="0"/>
-              </a:spcAft>
-              <a:buSzPts val="1000"/>
-              <a:buNone/>
-              <a:tabLst>
-                <a:tab pos="228600" algn="l"/>
-              </a:tabLst>
-            </a:pPr>
-            <a:endParaRPr lang="en-US" sz="1500" b="1" dirty="0">
-              <a:latin typeface="Calibri" panose="020F0502020204030204" pitchFamily="34" charset="0"/>
-              <a:ea typeface="Calibri" panose="020F0502020204030204" pitchFamily="34" charset="0"/>
-              <a:cs typeface="Times New Roman" panose="02020603050405020304" pitchFamily="18" charset="0"/>
-            </a:endParaRPr>
-          </a:p>
-        </p:txBody>
-      </p:sp>
-      <p:sp>
-        <p:nvSpPr>
-          <p:cNvPr id="4" name="Rectangle 3"/>
-          <p:cNvSpPr/>
-          <p:nvPr/>
-        </p:nvSpPr>
-        <p:spPr>
-          <a:xfrm>
-            <a:off x="913631" y="6193488"/>
-            <a:ext cx="10628807" cy="584775"/>
-          </a:xfrm>
-          <a:prstGeom prst="rect">
-            <a:avLst/>
-          </a:prstGeom>
-        </p:spPr>
-        <p:txBody>
-          <a:bodyPr wrap="none">
-            <a:spAutoFit/>
-          </a:bodyPr>
-          <a:lstStyle/>
-          <a:p>
-            <a:pPr lvl="0">
-              <a:defRPr/>
-            </a:pPr>
-            <a:r>
-              <a:rPr lang="en-US" sz="3200" dirty="0">
-                <a:solidFill>
-                  <a:prstClr val="black"/>
-                </a:solidFill>
-              </a:rPr>
-              <a:t>https://www.microsoft.com/en-us/learning/exam-70-475.aspx</a:t>
-            </a:r>
-            <a:endParaRPr kumimoji="0" lang="en-US" sz="3200" b="0" i="0" u="none" strike="noStrike" kern="1200" cap="none" spc="0" normalizeH="0" baseline="0" noProof="0" dirty="0">
-              <a:ln>
-                <a:noFill/>
-              </a:ln>
-              <a:solidFill>
-                <a:prstClr val="black"/>
-              </a:solidFill>
-              <a:effectLst/>
-              <a:uLnTx/>
-              <a:uFillTx/>
-              <a:latin typeface="Calibri" panose="020F0502020204030204"/>
-              <a:ea typeface="+mn-ea"/>
-              <a:cs typeface="+mn-cs"/>
-            </a:endParaRPr>
+              <a:t>http://azure.microsoft.com/free</a:t>
+            </a:r>
+            <a:r>
+              <a:rPr lang="en-US" dirty="0"/>
+              <a:t>)</a:t>
+            </a:r>
+          </a:p>
+          <a:p>
+            <a:endParaRPr lang="en-US" dirty="0"/>
           </a:p>
         </p:txBody>
       </p:sp>
     </p:spTree>
     <p:extLst>
       <p:ext uri="{BB962C8B-B14F-4D97-AF65-F5344CB8AC3E}">
-        <p14:creationId xmlns:p14="http://schemas.microsoft.com/office/powerpoint/2010/main" val="2471584540"/>
+        <p14:creationId xmlns:p14="http://schemas.microsoft.com/office/powerpoint/2010/main" val="2256524998"/>
       </p:ext>
     </p:extLst>
   </p:cSld>
@@ -40940,7 +40747,7 @@
       </p:grpSpPr>
       <p:sp>
         <p:nvSpPr>
-          <p:cNvPr id="3" name="Title 2"/>
+          <p:cNvPr id="2" name="Title 1"/>
           <p:cNvSpPr>
             <a:spLocks noGrp="1"/>
           </p:cNvSpPr>
@@ -40948,86 +40755,419 @@
             <p:ph type="title"/>
           </p:nvPr>
         </p:nvSpPr>
-        <p:spPr/>
+        <p:spPr>
+          <a:xfrm>
+            <a:off x="138148" y="74893"/>
+            <a:ext cx="11919689" cy="905377"/>
+          </a:xfrm>
+        </p:spPr>
         <p:txBody>
           <a:bodyPr>
-            <a:normAutofit fontScale="90000"/>
+            <a:noAutofit/>
           </a:bodyPr>
           <a:lstStyle/>
           <a:p>
             <a:r>
-              <a:rPr lang="en-US" dirty="0"/>
-              <a:t>Questions Post Event…</a:t>
-            </a:r>
-          </a:p>
-        </p:txBody>
-      </p:sp>
-      <p:sp>
-        <p:nvSpPr>
-          <p:cNvPr id="2" name="Text Placeholder 1"/>
+              <a:rPr lang="en-US" sz="3200" b="1" dirty="0"/>
+              <a:t>Exam 70-475 </a:t>
+            </a:r>
+            <a:r>
+              <a:rPr lang="en-US" sz="3200" dirty="0">
+                <a:latin typeface="Calibri" panose="020F0502020204030204"/>
+              </a:rPr>
+              <a:t>Designing and Implementing Big Data Analytics Solutions</a:t>
+            </a:r>
+            <a:endParaRPr lang="en-US" sz="2400" dirty="0"/>
+          </a:p>
+        </p:txBody>
+      </p:sp>
+      <p:sp>
+        <p:nvSpPr>
+          <p:cNvPr id="7" name="Content Placeholder 6"/>
           <p:cNvSpPr>
             <a:spLocks noGrp="1"/>
           </p:cNvSpPr>
           <p:nvPr>
-            <p:ph type="body" sz="quarter" idx="11"/>
+            <p:ph sz="half" idx="1"/>
           </p:nvPr>
         </p:nvSpPr>
-        <p:spPr/>
+        <p:spPr>
+          <a:xfrm>
+            <a:off x="398232" y="1043730"/>
+            <a:ext cx="5699760" cy="5327539"/>
+          </a:xfrm>
+        </p:spPr>
+        <p:txBody>
+          <a:bodyPr>
+            <a:normAutofit/>
+          </a:bodyPr>
+          <a:lstStyle/>
+          <a:p>
+            <a:pPr marL="0" indent="0" eaLnBrk="0" fontAlgn="t" hangingPunct="0">
+              <a:lnSpc>
+                <a:spcPct val="100000"/>
+              </a:lnSpc>
+              <a:spcBef>
+                <a:spcPct val="0"/>
+              </a:spcBef>
+              <a:spcAft>
+                <a:spcPct val="0"/>
+              </a:spcAft>
+              <a:buNone/>
+            </a:pPr>
+            <a:endParaRPr lang="en-US" sz="1500" b="1" dirty="0">
+              <a:latin typeface="Calibri" panose="020F0502020204030204" pitchFamily="34" charset="0"/>
+              <a:ea typeface="Calibri" panose="020F0502020204030204" pitchFamily="34" charset="0"/>
+              <a:cs typeface="Times New Roman" panose="02020603050405020304" pitchFamily="18" charset="0"/>
+            </a:endParaRPr>
+          </a:p>
+          <a:p>
+            <a:pPr marL="0" indent="0" eaLnBrk="0" fontAlgn="t" hangingPunct="0">
+              <a:lnSpc>
+                <a:spcPct val="100000"/>
+              </a:lnSpc>
+              <a:spcBef>
+                <a:spcPct val="0"/>
+              </a:spcBef>
+              <a:spcAft>
+                <a:spcPct val="0"/>
+              </a:spcAft>
+              <a:buNone/>
+            </a:pPr>
+            <a:r>
+              <a:rPr lang="en-US" sz="1500" b="1" dirty="0">
+                <a:latin typeface="Calibri" panose="020F0502020204030204" pitchFamily="34" charset="0"/>
+                <a:ea typeface="Calibri" panose="020F0502020204030204" pitchFamily="34" charset="0"/>
+                <a:cs typeface="Times New Roman" panose="02020603050405020304" pitchFamily="18" charset="0"/>
+              </a:rPr>
+              <a:t>Design Big Data Batch and Interactive processing Solutions (30-35%)</a:t>
+            </a:r>
+          </a:p>
+          <a:p>
+            <a:pPr fontAlgn="base"/>
+            <a:r>
+              <a:rPr lang="en-US" sz="1050" b="1" dirty="0"/>
+              <a:t>Ingest data for batch and interactive processing: </a:t>
+            </a:r>
+            <a:r>
+              <a:rPr lang="en-US" sz="1050" dirty="0"/>
+              <a:t>I</a:t>
+            </a:r>
+            <a:r>
+              <a:rPr lang="en-US" sz="1000" dirty="0"/>
+              <a:t>ngest from cloud-born or on-premises data, store data in Microsoft Azure Data Lake, store data in Azure BLOB Storage, perform a one-time bulk data transfer, perform routine small writes on a continuous basis</a:t>
+            </a:r>
+          </a:p>
+          <a:p>
+            <a:pPr fontAlgn="base"/>
+            <a:r>
+              <a:rPr lang="en-US" sz="1050" b="1" dirty="0"/>
+              <a:t>Design and provision compute clusters: </a:t>
+            </a:r>
+            <a:r>
+              <a:rPr lang="en-US" sz="1000" dirty="0"/>
+              <a:t>Select compute cluster type, estimate cluster size based on workload</a:t>
+            </a:r>
+          </a:p>
+          <a:p>
+            <a:pPr fontAlgn="base"/>
+            <a:r>
+              <a:rPr lang="en-US" sz="1050" b="1" dirty="0"/>
+              <a:t>Design for data security: </a:t>
+            </a:r>
+            <a:r>
+              <a:rPr lang="en-US" sz="1000" dirty="0"/>
+              <a:t>Protect personally identifiable information (PII) data in Azure, encrypt and mask data, implement role-based security, implement row-based security</a:t>
+            </a:r>
+          </a:p>
+          <a:p>
+            <a:pPr fontAlgn="base"/>
+            <a:r>
+              <a:rPr lang="en-US" sz="1050" b="1" dirty="0"/>
+              <a:t>Design for batch processing: </a:t>
+            </a:r>
+            <a:r>
+              <a:rPr lang="en-US" sz="1000" dirty="0"/>
+              <a:t>Select appropriate language and tool, identify formats, define metadata, configure output</a:t>
+            </a:r>
+          </a:p>
+          <a:p>
+            <a:pPr marL="0" indent="0" eaLnBrk="0" fontAlgn="t" hangingPunct="0">
+              <a:lnSpc>
+                <a:spcPct val="100000"/>
+              </a:lnSpc>
+              <a:spcBef>
+                <a:spcPct val="0"/>
+              </a:spcBef>
+              <a:spcAft>
+                <a:spcPct val="0"/>
+              </a:spcAft>
+              <a:buNone/>
+            </a:pPr>
+            <a:r>
+              <a:rPr lang="en-US" sz="1500" b="1" dirty="0">
+                <a:latin typeface="Calibri" panose="020F0502020204030204" pitchFamily="34" charset="0"/>
+                <a:ea typeface="Calibri" panose="020F0502020204030204" pitchFamily="34" charset="0"/>
+                <a:cs typeface="Times New Roman" panose="02020603050405020304" pitchFamily="18" charset="0"/>
+              </a:rPr>
+              <a:t>Design Big Data Batch and Real-time processing Solutions (30-35%)</a:t>
+            </a:r>
+          </a:p>
+          <a:p>
+            <a:pPr fontAlgn="base"/>
+            <a:r>
+              <a:rPr lang="en-US" sz="1000" b="1" dirty="0"/>
+              <a:t>Ingest data for real-time processing: </a:t>
+            </a:r>
+            <a:r>
+              <a:rPr lang="en-US" sz="1000" dirty="0"/>
+              <a:t>Select data ingestion technology, design partitioning scheme, design row key of event tables in HBase</a:t>
+            </a:r>
+          </a:p>
+          <a:p>
+            <a:pPr fontAlgn="base"/>
+            <a:r>
+              <a:rPr lang="en-US" sz="1000" b="1" dirty="0"/>
+              <a:t>Design and provision compute resources: </a:t>
+            </a:r>
+            <a:r>
+              <a:rPr lang="en-US" sz="1000" dirty="0"/>
+              <a:t>Select streaming technology in Azure, select real-time event processing technology, select real-time event storage technology, select streaming units, configure cluster size, select the right technology for business requirements, assign appropriate resources for HBase clusters</a:t>
+            </a:r>
+          </a:p>
+          <a:p>
+            <a:pPr fontAlgn="base"/>
+            <a:r>
+              <a:rPr lang="en-US" sz="1000" b="1" dirty="0"/>
+              <a:t>Design for Lambda architecture: I</a:t>
+            </a:r>
+            <a:r>
+              <a:rPr lang="en-US" sz="1000" dirty="0"/>
+              <a:t>dentify application of Lambda architecture, utilize streaming data to draw business insights in real time, utilize streaming data to show trends in data in real time, utilize streaming data and convert into batch data to get historical view, design such that batch data doesn’t introduce latency, utilize batch data for deeper data analysis</a:t>
+            </a:r>
+          </a:p>
+          <a:p>
+            <a:pPr fontAlgn="base"/>
+            <a:r>
+              <a:rPr lang="en-US" sz="1000" b="1" dirty="0"/>
+              <a:t>Design for real-time processing: </a:t>
+            </a:r>
+            <a:r>
+              <a:rPr lang="en-US" sz="1000" dirty="0"/>
+              <a:t>Design for latency and throughput, design reference data streams, design business logic, design visualization output</a:t>
+            </a:r>
+          </a:p>
+          <a:p>
+            <a:pPr marL="0" indent="0" eaLnBrk="0" fontAlgn="t" hangingPunct="0">
+              <a:lnSpc>
+                <a:spcPct val="100000"/>
+              </a:lnSpc>
+              <a:spcBef>
+                <a:spcPct val="0"/>
+              </a:spcBef>
+              <a:spcAft>
+                <a:spcPct val="0"/>
+              </a:spcAft>
+              <a:buNone/>
+            </a:pPr>
+            <a:endParaRPr lang="en-US" sz="1500" b="1" dirty="0">
+              <a:latin typeface="Calibri" panose="020F0502020204030204" pitchFamily="34" charset="0"/>
+              <a:ea typeface="Calibri" panose="020F0502020204030204" pitchFamily="34" charset="0"/>
+              <a:cs typeface="Times New Roman" panose="02020603050405020304" pitchFamily="18" charset="0"/>
+            </a:endParaRPr>
+          </a:p>
+        </p:txBody>
+      </p:sp>
+      <p:sp>
+        <p:nvSpPr>
+          <p:cNvPr id="3" name="Content Placeholder 2"/>
+          <p:cNvSpPr>
+            <a:spLocks noGrp="1"/>
+          </p:cNvSpPr>
+          <p:nvPr>
+            <p:ph sz="half" idx="2"/>
+          </p:nvPr>
+        </p:nvSpPr>
+        <p:spPr>
+          <a:xfrm>
+            <a:off x="6358077" y="1273629"/>
+            <a:ext cx="5699760" cy="4798336"/>
+          </a:xfrm>
+        </p:spPr>
         <p:txBody>
           <a:bodyPr>
             <a:noAutofit/>
           </a:bodyPr>
           <a:lstStyle/>
           <a:p>
-            <a:endParaRPr lang="en-US" sz="5400" dirty="0">
-              <a:solidFill>
-                <a:schemeClr val="tx1"/>
-              </a:solidFill>
+            <a:pPr marL="0" lvl="1" indent="0" fontAlgn="t">
+              <a:lnSpc>
+                <a:spcPct val="100000"/>
+              </a:lnSpc>
+              <a:spcBef>
+                <a:spcPts val="0"/>
+              </a:spcBef>
+              <a:spcAft>
+                <a:spcPct val="0"/>
+              </a:spcAft>
+              <a:buSzPts val="1000"/>
+              <a:buNone/>
+              <a:tabLst>
+                <a:tab pos="228600" algn="l"/>
+              </a:tabLst>
+            </a:pPr>
+            <a:r>
+              <a:rPr lang="en-US" sz="1500" b="1" dirty="0">
+                <a:latin typeface="Calibri" panose="020F0502020204030204" pitchFamily="34" charset="0"/>
+                <a:ea typeface="Calibri" panose="020F0502020204030204" pitchFamily="34" charset="0"/>
+                <a:cs typeface="Times New Roman" panose="02020603050405020304" pitchFamily="18" charset="0"/>
+              </a:rPr>
+              <a:t>Operationalize End-to-End Cloud Analytics Solutions (30-35%)</a:t>
+            </a:r>
+          </a:p>
+          <a:p>
+            <a:pPr fontAlgn="base"/>
+            <a:r>
+              <a:rPr lang="en-US" sz="1050" b="1" dirty="0"/>
+              <a:t>Create a data factory: </a:t>
+            </a:r>
+            <a:r>
+              <a:rPr lang="en-US" sz="1000" dirty="0"/>
+              <a:t>Identify data sources, identify and provision data processing infrastructure, utilize Visual Studio to design and deploy pipelines, deploy Data Factory Jobs</a:t>
+            </a:r>
+          </a:p>
+          <a:p>
+            <a:pPr fontAlgn="base"/>
+            <a:r>
+              <a:rPr lang="en-US" sz="1050" b="1" dirty="0"/>
+              <a:t>Orchestrate data processing activities in a data-driven workflow: </a:t>
+            </a:r>
+            <a:r>
+              <a:rPr lang="en-US" sz="1000" dirty="0"/>
+              <a:t>Leverage data-slicing concepts, identify data dependencies and chaining multiple activities, model complex schedules based on data dependencies, provision and run data pipelines</a:t>
+            </a:r>
+          </a:p>
+          <a:p>
+            <a:pPr fontAlgn="base"/>
+            <a:r>
+              <a:rPr lang="en-US" sz="1050" b="1" dirty="0"/>
+              <a:t>Monitor and manage the data factory: </a:t>
+            </a:r>
+            <a:r>
+              <a:rPr lang="en-US" sz="1000" dirty="0" err="1"/>
+              <a:t>dentify</a:t>
+            </a:r>
+            <a:r>
+              <a:rPr lang="en-US" sz="1000" dirty="0"/>
+              <a:t> failures and root causes, create alerts for specified conditions, perform a restatement, start and stop data factory pipelines</a:t>
+            </a:r>
+          </a:p>
+          <a:p>
+            <a:pPr fontAlgn="base"/>
+            <a:r>
+              <a:rPr lang="en-US" sz="1050" b="1" dirty="0"/>
+              <a:t>Move, transform, and analyze data: </a:t>
+            </a:r>
+            <a:r>
+              <a:rPr lang="en-US" sz="1000" dirty="0"/>
+              <a:t>Leverage Pig, Hive, MapReduce for data processing; copy data between on-premises and cloud; copy data between cloud data sources; leverage stored procedures; leverage Machine Learning batch execution for scoring, retraining, and update resource; extend the data factory with custom processing steps; load data into a relational store, visualize using Power BI</a:t>
+            </a:r>
+          </a:p>
+          <a:p>
+            <a:pPr fontAlgn="base"/>
+            <a:r>
+              <a:rPr lang="en-US" sz="1050" b="1" dirty="0"/>
+              <a:t>Design a deployment strategy for an end-to-end solution: </a:t>
+            </a:r>
+            <a:r>
+              <a:rPr lang="en-US" sz="1000" dirty="0"/>
+              <a:t>Leverage PowerShell for deployment, automate deployment programmatically, design deployment strategies for automation</a:t>
+            </a:r>
+          </a:p>
+          <a:p>
+            <a:pPr marL="0" lvl="1" indent="0" fontAlgn="t">
+              <a:lnSpc>
+                <a:spcPct val="100000"/>
+              </a:lnSpc>
+              <a:spcBef>
+                <a:spcPts val="0"/>
+              </a:spcBef>
+              <a:spcAft>
+                <a:spcPct val="0"/>
+              </a:spcAft>
+              <a:buSzPts val="1000"/>
+              <a:buNone/>
+              <a:tabLst>
+                <a:tab pos="228600" algn="l"/>
+              </a:tabLst>
+            </a:pPr>
+            <a:endParaRPr lang="en-US" sz="1500" b="1" dirty="0">
+              <a:latin typeface="Calibri" panose="020F0502020204030204" pitchFamily="34" charset="0"/>
+              <a:ea typeface="Calibri" panose="020F0502020204030204" pitchFamily="34" charset="0"/>
+              <a:cs typeface="Times New Roman" panose="02020603050405020304" pitchFamily="18" charset="0"/>
             </a:endParaRPr>
           </a:p>
-          <a:p>
-            <a:r>
-              <a:rPr lang="en-US" sz="5400" dirty="0">
+        </p:txBody>
+      </p:sp>
+      <p:sp>
+        <p:nvSpPr>
+          <p:cNvPr id="4" name="Rectangle 3"/>
+          <p:cNvSpPr/>
+          <p:nvPr/>
+        </p:nvSpPr>
+        <p:spPr>
+          <a:xfrm>
+            <a:off x="913631" y="6193488"/>
+            <a:ext cx="10628807" cy="584775"/>
+          </a:xfrm>
+          <a:prstGeom prst="rect">
+            <a:avLst/>
+          </a:prstGeom>
+        </p:spPr>
+        <p:txBody>
+          <a:bodyPr wrap="none">
+            <a:spAutoFit/>
+          </a:bodyPr>
+          <a:lstStyle/>
+          <a:p>
+            <a:pPr lvl="0">
+              <a:defRPr/>
+            </a:pPr>
+            <a:r>
+              <a:rPr lang="en-US" sz="3200" dirty="0">
                 <a:solidFill>
-                  <a:schemeClr val="tx1"/>
+                  <a:prstClr val="black"/>
                 </a:solidFill>
               </a:rPr>
-              <a:t>Yammer Group – Microsoft Azure Certification Preparation</a:t>
-            </a:r>
-          </a:p>
-          <a:p>
-            <a:r>
-              <a:rPr lang="en-US" u="sng" dirty="0">
-                <a:hlinkClick r:id="rId3"/>
-              </a:rPr>
-              <a:t>http://aka.ms/AzureExamPrep</a:t>
-            </a:r>
-            <a:endParaRPr lang="en-US" dirty="0"/>
+              <a:t>https://www.microsoft.com/en-us/learning/exam-70-475.aspx</a:t>
+            </a:r>
+            <a:endParaRPr kumimoji="0" lang="en-US" sz="3200" b="0" i="0" u="none" strike="noStrike" kern="1200" cap="none" spc="0" normalizeH="0" baseline="0" noProof="0" dirty="0">
+              <a:ln>
+                <a:noFill/>
+              </a:ln>
+              <a:solidFill>
+                <a:prstClr val="black"/>
+              </a:solidFill>
+              <a:effectLst/>
+              <a:uLnTx/>
+              <a:uFillTx/>
+              <a:latin typeface="Calibri" panose="020F0502020204030204"/>
+              <a:ea typeface="+mn-ea"/>
+              <a:cs typeface="+mn-cs"/>
+            </a:endParaRPr>
           </a:p>
         </p:txBody>
       </p:sp>
     </p:spTree>
     <p:extLst>
       <p:ext uri="{BB962C8B-B14F-4D97-AF65-F5344CB8AC3E}">
-        <p14:creationId xmlns:p14="http://schemas.microsoft.com/office/powerpoint/2010/main" val="4154887438"/>
+        <p14:creationId xmlns:p14="http://schemas.microsoft.com/office/powerpoint/2010/main" val="2471584540"/>
       </p:ext>
     </p:extLst>
   </p:cSld>
   <p:clrMapOvr>
     <a:masterClrMapping/>
   </p:clrMapOvr>
-  <mc:AlternateContent xmlns:mc="http://schemas.openxmlformats.org/markup-compatibility/2006">
-    <mc:Choice xmlns:p14="http://schemas.microsoft.com/office/powerpoint/2010/main" Requires="p14">
-      <p:transition spd="med" p14:dur="700">
-        <p:fade/>
-      </p:transition>
-    </mc:Choice>
-    <mc:Fallback>
-      <p:transition spd="med">
-        <p:fade/>
-      </p:transition>
-    </mc:Fallback>
-  </mc:AlternateContent>
 </p:sld>
 </file>
 
